--- a/doc/Presentation_Front_End.pptx
+++ b/doc/Presentation_Front_End.pptx
@@ -9,12 +9,18 @@
     <p:sldId id="259" r:id="rId3"/>
     <p:sldId id="260" r:id="rId4"/>
     <p:sldId id="261" r:id="rId5"/>
-    <p:sldId id="262" r:id="rId6"/>
-    <p:sldId id="266" r:id="rId7"/>
-    <p:sldId id="263" r:id="rId8"/>
-    <p:sldId id="265" r:id="rId9"/>
-    <p:sldId id="264" r:id="rId10"/>
-    <p:sldId id="267" r:id="rId11"/>
+    <p:sldId id="273" r:id="rId6"/>
+    <p:sldId id="262" r:id="rId7"/>
+    <p:sldId id="266" r:id="rId8"/>
+    <p:sldId id="263" r:id="rId9"/>
+    <p:sldId id="265" r:id="rId10"/>
+    <p:sldId id="264" r:id="rId11"/>
+    <p:sldId id="269" r:id="rId12"/>
+    <p:sldId id="268" r:id="rId13"/>
+    <p:sldId id="267" r:id="rId14"/>
+    <p:sldId id="270" r:id="rId15"/>
+    <p:sldId id="271" r:id="rId16"/>
+    <p:sldId id="272" r:id="rId17"/>
   </p:sldIdLst>
   <p:sldSz cx="12192000" cy="6858000"/>
   <p:notesSz cx="6858000" cy="9144000"/>
@@ -252,7 +258,7 @@
           <a:p>
             <a:fld id="{E948AFA2-520E-493F-AF7F-CBA5537F681C}" type="datetimeFigureOut">
               <a:rPr lang="en-US" smtClean="0"/>
-              <a:t>7/15/2014</a:t>
+              <a:t>7/16/2014</a:t>
             </a:fld>
             <a:endParaRPr lang="en-US"/>
           </a:p>
@@ -422,7 +428,7 @@
           <a:p>
             <a:fld id="{E948AFA2-520E-493F-AF7F-CBA5537F681C}" type="datetimeFigureOut">
               <a:rPr lang="en-US" smtClean="0"/>
-              <a:t>7/15/2014</a:t>
+              <a:t>7/16/2014</a:t>
             </a:fld>
             <a:endParaRPr lang="en-US"/>
           </a:p>
@@ -602,7 +608,7 @@
           <a:p>
             <a:fld id="{E948AFA2-520E-493F-AF7F-CBA5537F681C}" type="datetimeFigureOut">
               <a:rPr lang="en-US" smtClean="0"/>
-              <a:t>7/15/2014</a:t>
+              <a:t>7/16/2014</a:t>
             </a:fld>
             <a:endParaRPr lang="en-US"/>
           </a:p>
@@ -1301,7 +1307,7 @@
           <a:p>
             <a:fld id="{E948AFA2-520E-493F-AF7F-CBA5537F681C}" type="datetimeFigureOut">
               <a:rPr lang="en-US" smtClean="0"/>
-              <a:t>7/15/2014</a:t>
+              <a:t>7/16/2014</a:t>
             </a:fld>
             <a:endParaRPr lang="en-US"/>
           </a:p>
@@ -1547,7 +1553,7 @@
           <a:p>
             <a:fld id="{E948AFA2-520E-493F-AF7F-CBA5537F681C}" type="datetimeFigureOut">
               <a:rPr lang="en-US" smtClean="0"/>
-              <a:t>7/15/2014</a:t>
+              <a:t>7/16/2014</a:t>
             </a:fld>
             <a:endParaRPr lang="en-US"/>
           </a:p>
@@ -1779,7 +1785,7 @@
           <a:p>
             <a:fld id="{E948AFA2-520E-493F-AF7F-CBA5537F681C}" type="datetimeFigureOut">
               <a:rPr lang="en-US" smtClean="0"/>
-              <a:t>7/15/2014</a:t>
+              <a:t>7/16/2014</a:t>
             </a:fld>
             <a:endParaRPr lang="en-US"/>
           </a:p>
@@ -2146,7 +2152,7 @@
           <a:p>
             <a:fld id="{E948AFA2-520E-493F-AF7F-CBA5537F681C}" type="datetimeFigureOut">
               <a:rPr lang="en-US" smtClean="0"/>
-              <a:t>7/15/2014</a:t>
+              <a:t>7/16/2014</a:t>
             </a:fld>
             <a:endParaRPr lang="en-US"/>
           </a:p>
@@ -2264,7 +2270,7 @@
           <a:p>
             <a:fld id="{E948AFA2-520E-493F-AF7F-CBA5537F681C}" type="datetimeFigureOut">
               <a:rPr lang="en-US" smtClean="0"/>
-              <a:t>7/15/2014</a:t>
+              <a:t>7/16/2014</a:t>
             </a:fld>
             <a:endParaRPr lang="en-US"/>
           </a:p>
@@ -2359,7 +2365,7 @@
           <a:p>
             <a:fld id="{E948AFA2-520E-493F-AF7F-CBA5537F681C}" type="datetimeFigureOut">
               <a:rPr lang="en-US" smtClean="0"/>
-              <a:t>7/15/2014</a:t>
+              <a:t>7/16/2014</a:t>
             </a:fld>
             <a:endParaRPr lang="en-US"/>
           </a:p>
@@ -2636,7 +2642,7 @@
           <a:p>
             <a:fld id="{E948AFA2-520E-493F-AF7F-CBA5537F681C}" type="datetimeFigureOut">
               <a:rPr lang="en-US" smtClean="0"/>
-              <a:t>7/15/2014</a:t>
+              <a:t>7/16/2014</a:t>
             </a:fld>
             <a:endParaRPr lang="en-US"/>
           </a:p>
@@ -2889,7 +2895,7 @@
           <a:p>
             <a:fld id="{E948AFA2-520E-493F-AF7F-CBA5537F681C}" type="datetimeFigureOut">
               <a:rPr lang="en-US" smtClean="0"/>
-              <a:t>7/15/2014</a:t>
+              <a:t>7/16/2014</a:t>
             </a:fld>
             <a:endParaRPr lang="en-US"/>
           </a:p>
@@ -3102,7 +3108,7 @@
           <a:p>
             <a:fld id="{E948AFA2-520E-493F-AF7F-CBA5537F681C}" type="datetimeFigureOut">
               <a:rPr lang="en-US" smtClean="0"/>
-              <a:t>7/15/2014</a:t>
+              <a:t>7/16/2014</a:t>
             </a:fld>
             <a:endParaRPr lang="en-US"/>
           </a:p>
@@ -3546,16 +3552,24 @@
             <p:ph type="body" sz="quarter" idx="13"/>
           </p:nvPr>
         </p:nvSpPr>
-        <p:spPr/>
-        <p:txBody>
-          <a:bodyPr/>
-          <a:lstStyle/>
-          <a:p>
-            <a:r>
-              <a:rPr lang="pl-PL" dirty="0" smtClean="0"/>
-              <a:t>Artur Stępień</a:t>
-            </a:r>
-            <a:endParaRPr lang="en-US" dirty="0"/>
+        <p:spPr>
+          <a:xfrm>
+            <a:off x="8848220" y="5374999"/>
+            <a:ext cx="1581242" cy="416201"/>
+          </a:xfrm>
+        </p:spPr>
+        <p:txBody>
+          <a:bodyPr/>
+          <a:lstStyle/>
+          <a:p>
+            <a:r>
+              <a:rPr lang="pl-PL" dirty="0" smtClean="0"/>
+              <a:t>Artur </a:t>
+            </a:r>
+            <a:r>
+              <a:rPr lang="pl-PL" dirty="0" smtClean="0"/>
+              <a:t>Stępień</a:t>
+            </a:r>
           </a:p>
         </p:txBody>
       </p:sp>
@@ -3611,20 +3625,84 @@
           <a:bodyPr/>
           <a:lstStyle/>
           <a:p>
-            <a:r>
-              <a:rPr lang="pl-PL" dirty="0" err="1" smtClean="0"/>
-              <a:t>Jasmine</a:t>
+            <a:pPr marL="0" indent="0">
+              <a:buNone/>
+            </a:pPr>
+            <a:r>
+              <a:rPr lang="pl-PL" dirty="0" smtClean="0"/>
+              <a:t>The </a:t>
+            </a:r>
+            <a:r>
+              <a:rPr lang="pl-PL" dirty="0" err="1" smtClean="0"/>
+              <a:t>JavaScript</a:t>
+            </a:r>
+            <a:r>
+              <a:rPr lang="pl-PL" dirty="0" smtClean="0"/>
+              <a:t> </a:t>
+            </a:r>
+            <a:r>
+              <a:rPr lang="pl-PL" dirty="0" err="1" smtClean="0"/>
+              <a:t>task</a:t>
+            </a:r>
+            <a:r>
+              <a:rPr lang="pl-PL" dirty="0" smtClean="0"/>
+              <a:t> </a:t>
+            </a:r>
+            <a:r>
+              <a:rPr lang="pl-PL" dirty="0" err="1" smtClean="0"/>
+              <a:t>runner</a:t>
             </a:r>
             <a:endParaRPr lang="pl-PL" dirty="0" smtClean="0"/>
           </a:p>
           <a:p>
-            <a:r>
-              <a:rPr lang="pl-PL" dirty="0" smtClean="0"/>
-              <a:t>Karma</a:t>
-            </a:r>
-          </a:p>
-          <a:p>
-            <a:endParaRPr lang="pl-PL" dirty="0"/>
+            <a:pPr marL="0" indent="0">
+              <a:buNone/>
+            </a:pPr>
+            <a:r>
+              <a:rPr lang="en-US" dirty="0">
+                <a:latin typeface="+mj-lt"/>
+              </a:rPr>
+              <a:t>In one word: automation. The less work you have to do when performing repetitive tasks like </a:t>
+            </a:r>
+            <a:r>
+              <a:rPr lang="en-US" dirty="0" err="1">
+                <a:latin typeface="+mj-lt"/>
+              </a:rPr>
+              <a:t>minification</a:t>
+            </a:r>
+            <a:r>
+              <a:rPr lang="en-US" dirty="0">
+                <a:latin typeface="+mj-lt"/>
+              </a:rPr>
+              <a:t>, compilation, unit testing, </a:t>
+            </a:r>
+            <a:r>
+              <a:rPr lang="en-US" dirty="0" err="1">
+                <a:latin typeface="+mj-lt"/>
+              </a:rPr>
+              <a:t>linting</a:t>
+            </a:r>
+            <a:r>
+              <a:rPr lang="en-US" dirty="0">
+                <a:latin typeface="+mj-lt"/>
+              </a:rPr>
+              <a:t>, </a:t>
+            </a:r>
+            <a:r>
+              <a:rPr lang="en-US" dirty="0" err="1">
+                <a:latin typeface="+mj-lt"/>
+              </a:rPr>
+              <a:t>etc</a:t>
+            </a:r>
+            <a:r>
+              <a:rPr lang="en-US" dirty="0">
+                <a:latin typeface="+mj-lt"/>
+              </a:rPr>
+              <a:t>, the easier your job becomes. After you've configured it, a task runner can do most of that mundane work for you—and your team—with basically zero effort.</a:t>
+            </a:r>
+            <a:endParaRPr lang="pl-PL" dirty="0">
+              <a:latin typeface="+mj-lt"/>
+            </a:endParaRPr>
           </a:p>
         </p:txBody>
       </p:sp>
@@ -3645,11 +3723,7 @@
           <a:p>
             <a:r>
               <a:rPr lang="pl-PL" dirty="0" smtClean="0"/>
-              <a:t>Unit </a:t>
-            </a:r>
-            <a:r>
-              <a:rPr lang="pl-PL" dirty="0" err="1" smtClean="0"/>
-              <a:t>testing</a:t>
+              <a:t>Grunt</a:t>
             </a:r>
             <a:endParaRPr lang="pl-PL" dirty="0"/>
           </a:p>
@@ -3657,7 +3731,454 @@
       </p:sp>
       <p:pic>
         <p:nvPicPr>
-          <p:cNvPr id="5" name="Obraz 4"/>
+          <p:cNvPr id="4" name="Picture 3"/>
+          <p:cNvPicPr>
+            <a:picLocks noChangeAspect="1"/>
+          </p:cNvPicPr>
+          <p:nvPr/>
+        </p:nvPicPr>
+        <p:blipFill>
+          <a:blip r:embed="rId2" cstate="print">
+            <a:extLst>
+              <a:ext uri="{28A0092B-C50C-407E-A947-70E740481C1C}">
+                <a14:useLocalDpi xmlns:a14="http://schemas.microsoft.com/office/drawing/2010/main" val="0"/>
+              </a:ext>
+            </a:extLst>
+          </a:blip>
+          <a:stretch>
+            <a:fillRect/>
+          </a:stretch>
+        </p:blipFill>
+        <p:spPr>
+          <a:xfrm>
+            <a:off x="7634357" y="365125"/>
+            <a:ext cx="3215861" cy="1607931"/>
+          </a:xfrm>
+          <a:prstGeom prst="rect">
+            <a:avLst/>
+          </a:prstGeom>
+        </p:spPr>
+      </p:pic>
+    </p:spTree>
+    <p:extLst>
+      <p:ext uri="{BB962C8B-B14F-4D97-AF65-F5344CB8AC3E}">
+        <p14:creationId xmlns:p14="http://schemas.microsoft.com/office/powerpoint/2010/main" val="3045395640"/>
+      </p:ext>
+    </p:extLst>
+  </p:cSld>
+  <p:clrMapOvr>
+    <a:masterClrMapping/>
+  </p:clrMapOvr>
+</p:sld>
+</file>
+
+<file path=ppt/slides/slide11.xml><?xml version="1.0" encoding="utf-8"?>
+<p:sld xmlns:a="http://schemas.openxmlformats.org/drawingml/2006/main" xmlns:r="http://schemas.openxmlformats.org/officeDocument/2006/relationships" xmlns:p="http://schemas.openxmlformats.org/presentationml/2006/main">
+  <p:cSld>
+    <p:spTree>
+      <p:nvGrpSpPr>
+        <p:cNvPr id="1" name=""/>
+        <p:cNvGrpSpPr/>
+        <p:nvPr/>
+      </p:nvGrpSpPr>
+      <p:grpSpPr>
+        <a:xfrm>
+          <a:off x="0" y="0"/>
+          <a:ext cx="0" cy="0"/>
+          <a:chOff x="0" y="0"/>
+          <a:chExt cx="0" cy="0"/>
+        </a:xfrm>
+      </p:grpSpPr>
+      <p:sp>
+        <p:nvSpPr>
+          <p:cNvPr id="2" name="Content Placeholder 1"/>
+          <p:cNvSpPr>
+            <a:spLocks noGrp="1"/>
+          </p:cNvSpPr>
+          <p:nvPr>
+            <p:ph idx="1"/>
+          </p:nvPr>
+        </p:nvSpPr>
+        <p:spPr/>
+        <p:txBody>
+          <a:bodyPr/>
+          <a:lstStyle/>
+          <a:p>
+            <a:pPr marL="0" indent="0">
+              <a:buNone/>
+            </a:pPr>
+            <a:r>
+              <a:rPr lang="pl-PL" dirty="0" smtClean="0">
+                <a:latin typeface="+mj-lt"/>
+              </a:rPr>
+              <a:t>It’</a:t>
+            </a:r>
+            <a:r>
+              <a:rPr lang="en-US" dirty="0" smtClean="0">
+                <a:latin typeface="+mj-lt"/>
+              </a:rPr>
+              <a:t>s </a:t>
+            </a:r>
+            <a:r>
+              <a:rPr lang="en-US" dirty="0">
+                <a:latin typeface="+mj-lt"/>
+              </a:rPr>
+              <a:t>an open-source web application framework, maintained by Google and community, that assists with creating single-page applications, one-page web applications that only require HTML, CSS, and JavaScript on the client side. Its goal is to augment web applications with model–view–controller (MVC) capability, in an effort to make both development and testing easier.</a:t>
+            </a:r>
+            <a:endParaRPr lang="pl-PL" dirty="0">
+              <a:latin typeface="+mj-lt"/>
+            </a:endParaRPr>
+          </a:p>
+        </p:txBody>
+      </p:sp>
+      <p:sp>
+        <p:nvSpPr>
+          <p:cNvPr id="3" name="Title 2"/>
+          <p:cNvSpPr>
+            <a:spLocks noGrp="1"/>
+          </p:cNvSpPr>
+          <p:nvPr>
+            <p:ph type="title"/>
+          </p:nvPr>
+        </p:nvSpPr>
+        <p:spPr/>
+        <p:txBody>
+          <a:bodyPr/>
+          <a:lstStyle/>
+          <a:p>
+            <a:r>
+              <a:rPr lang="pl-PL" dirty="0" err="1" smtClean="0"/>
+              <a:t>AngularJS</a:t>
+            </a:r>
+            <a:endParaRPr lang="pl-PL" dirty="0"/>
+          </a:p>
+        </p:txBody>
+      </p:sp>
+      <p:pic>
+        <p:nvPicPr>
+          <p:cNvPr id="4" name="Picture 3"/>
+          <p:cNvPicPr>
+            <a:picLocks noChangeAspect="1"/>
+          </p:cNvPicPr>
+          <p:nvPr/>
+        </p:nvPicPr>
+        <p:blipFill>
+          <a:blip r:embed="rId2" cstate="print">
+            <a:extLst>
+              <a:ext uri="{28A0092B-C50C-407E-A947-70E740481C1C}">
+                <a14:useLocalDpi xmlns:a14="http://schemas.microsoft.com/office/drawing/2010/main" val="0"/>
+              </a:ext>
+            </a:extLst>
+          </a:blip>
+          <a:stretch>
+            <a:fillRect/>
+          </a:stretch>
+        </p:blipFill>
+        <p:spPr>
+          <a:xfrm>
+            <a:off x="5078379" y="4600039"/>
+            <a:ext cx="6063386" cy="1576924"/>
+          </a:xfrm>
+          <a:prstGeom prst="rect">
+            <a:avLst/>
+          </a:prstGeom>
+        </p:spPr>
+      </p:pic>
+    </p:spTree>
+    <p:extLst>
+      <p:ext uri="{BB962C8B-B14F-4D97-AF65-F5344CB8AC3E}">
+        <p14:creationId xmlns:p14="http://schemas.microsoft.com/office/powerpoint/2010/main" val="3217823791"/>
+      </p:ext>
+    </p:extLst>
+  </p:cSld>
+  <p:clrMapOvr>
+    <a:masterClrMapping/>
+  </p:clrMapOvr>
+</p:sld>
+</file>
+
+<file path=ppt/slides/slide12.xml><?xml version="1.0" encoding="utf-8"?>
+<p:sld xmlns:a="http://schemas.openxmlformats.org/drawingml/2006/main" xmlns:r="http://schemas.openxmlformats.org/officeDocument/2006/relationships" xmlns:p="http://schemas.openxmlformats.org/presentationml/2006/main">
+  <p:cSld>
+    <p:spTree>
+      <p:nvGrpSpPr>
+        <p:cNvPr id="1" name=""/>
+        <p:cNvGrpSpPr/>
+        <p:nvPr/>
+      </p:nvGrpSpPr>
+      <p:grpSpPr>
+        <a:xfrm>
+          <a:off x="0" y="0"/>
+          <a:ext cx="0" cy="0"/>
+          <a:chOff x="0" y="0"/>
+          <a:chExt cx="0" cy="0"/>
+        </a:xfrm>
+      </p:grpSpPr>
+      <p:sp>
+        <p:nvSpPr>
+          <p:cNvPr id="2" name="Content Placeholder 1"/>
+          <p:cNvSpPr>
+            <a:spLocks noGrp="1"/>
+          </p:cNvSpPr>
+          <p:nvPr>
+            <p:ph idx="1"/>
+          </p:nvPr>
+        </p:nvSpPr>
+        <p:spPr>
+          <a:xfrm>
+            <a:off x="6920948" y="5698435"/>
+            <a:ext cx="3346111" cy="452022"/>
+          </a:xfrm>
+        </p:spPr>
+        <p:txBody>
+          <a:bodyPr>
+            <a:normAutofit/>
+          </a:bodyPr>
+          <a:lstStyle/>
+          <a:p>
+            <a:pPr marL="0" indent="0">
+              <a:buNone/>
+            </a:pPr>
+            <a:r>
+              <a:rPr lang="pl-PL" sz="1800" dirty="0" smtClean="0">
+                <a:latin typeface="+mj-lt"/>
+              </a:rPr>
+              <a:t>Google </a:t>
+            </a:r>
+            <a:r>
+              <a:rPr lang="pl-PL" sz="1800" dirty="0" err="1" smtClean="0">
+                <a:latin typeface="+mj-lt"/>
+              </a:rPr>
+              <a:t>Search</a:t>
+            </a:r>
+            <a:r>
+              <a:rPr lang="pl-PL" sz="1800" dirty="0" smtClean="0">
+                <a:latin typeface="+mj-lt"/>
+              </a:rPr>
+              <a:t> </a:t>
+            </a:r>
+            <a:r>
+              <a:rPr lang="pl-PL" sz="1800" dirty="0" err="1" smtClean="0">
+                <a:latin typeface="+mj-lt"/>
+              </a:rPr>
+              <a:t>Trends</a:t>
+            </a:r>
+            <a:r>
+              <a:rPr lang="pl-PL" sz="1800" dirty="0">
+                <a:latin typeface="+mj-lt"/>
+              </a:rPr>
+              <a:t> </a:t>
+            </a:r>
+            <a:r>
+              <a:rPr lang="pl-PL" sz="1800" dirty="0" smtClean="0">
+                <a:latin typeface="+mj-lt"/>
+              </a:rPr>
+              <a:t>- </a:t>
+            </a:r>
+            <a:r>
+              <a:rPr lang="pl-PL" sz="1800" dirty="0" smtClean="0">
+                <a:latin typeface="+mj-lt"/>
+                <a:hlinkClick r:id="rId2"/>
+              </a:rPr>
+              <a:t>Link</a:t>
+            </a:r>
+            <a:endParaRPr lang="pl-PL" sz="1800" dirty="0">
+              <a:latin typeface="+mj-lt"/>
+            </a:endParaRPr>
+          </a:p>
+        </p:txBody>
+      </p:sp>
+      <p:sp>
+        <p:nvSpPr>
+          <p:cNvPr id="3" name="Title 2"/>
+          <p:cNvSpPr>
+            <a:spLocks noGrp="1"/>
+          </p:cNvSpPr>
+          <p:nvPr>
+            <p:ph type="title"/>
+          </p:nvPr>
+        </p:nvSpPr>
+        <p:spPr/>
+        <p:txBody>
+          <a:bodyPr/>
+          <a:lstStyle/>
+          <a:p>
+            <a:r>
+              <a:rPr lang="pl-PL" dirty="0" err="1" smtClean="0"/>
+              <a:t>AngularJS</a:t>
+            </a:r>
+            <a:r>
+              <a:rPr lang="pl-PL" dirty="0" smtClean="0"/>
+              <a:t> - </a:t>
+            </a:r>
+            <a:r>
+              <a:rPr lang="pl-PL" dirty="0" err="1" smtClean="0"/>
+              <a:t>statistics</a:t>
+            </a:r>
+            <a:endParaRPr lang="pl-PL" dirty="0"/>
+          </a:p>
+        </p:txBody>
+      </p:sp>
+      <p:pic>
+        <p:nvPicPr>
+          <p:cNvPr id="5" name="Picture 4"/>
+          <p:cNvPicPr>
+            <a:picLocks noChangeAspect="1"/>
+          </p:cNvPicPr>
+          <p:nvPr/>
+        </p:nvPicPr>
+        <p:blipFill>
+          <a:blip r:embed="rId3">
+            <a:extLst>
+              <a:ext uri="{28A0092B-C50C-407E-A947-70E740481C1C}">
+                <a14:useLocalDpi xmlns:a14="http://schemas.microsoft.com/office/drawing/2010/main" val="0"/>
+              </a:ext>
+            </a:extLst>
+          </a:blip>
+          <a:stretch>
+            <a:fillRect/>
+          </a:stretch>
+        </p:blipFill>
+        <p:spPr>
+          <a:xfrm>
+            <a:off x="2618961" y="1388284"/>
+            <a:ext cx="6954078" cy="4310151"/>
+          </a:xfrm>
+          <a:prstGeom prst="rect">
+            <a:avLst/>
+          </a:prstGeom>
+        </p:spPr>
+      </p:pic>
+    </p:spTree>
+    <p:extLst>
+      <p:ext uri="{BB962C8B-B14F-4D97-AF65-F5344CB8AC3E}">
+        <p14:creationId xmlns:p14="http://schemas.microsoft.com/office/powerpoint/2010/main" val="3277809886"/>
+      </p:ext>
+    </p:extLst>
+  </p:cSld>
+  <p:clrMapOvr>
+    <a:masterClrMapping/>
+  </p:clrMapOvr>
+</p:sld>
+</file>
+
+<file path=ppt/slides/slide13.xml><?xml version="1.0" encoding="utf-8"?>
+<p:sld xmlns:a="http://schemas.openxmlformats.org/drawingml/2006/main" xmlns:r="http://schemas.openxmlformats.org/officeDocument/2006/relationships" xmlns:p="http://schemas.openxmlformats.org/presentationml/2006/main">
+  <p:cSld>
+    <p:spTree>
+      <p:nvGrpSpPr>
+        <p:cNvPr id="1" name=""/>
+        <p:cNvGrpSpPr/>
+        <p:nvPr/>
+      </p:nvGrpSpPr>
+      <p:grpSpPr>
+        <a:xfrm>
+          <a:off x="0" y="0"/>
+          <a:ext cx="0" cy="0"/>
+          <a:chOff x="0" y="0"/>
+          <a:chExt cx="0" cy="0"/>
+        </a:xfrm>
+      </p:grpSpPr>
+      <p:sp>
+        <p:nvSpPr>
+          <p:cNvPr id="2" name="Symbol zastępczy zawartości 1"/>
+          <p:cNvSpPr>
+            <a:spLocks noGrp="1"/>
+          </p:cNvSpPr>
+          <p:nvPr>
+            <p:ph idx="1"/>
+          </p:nvPr>
+        </p:nvSpPr>
+        <p:spPr/>
+        <p:txBody>
+          <a:bodyPr>
+            <a:normAutofit/>
+          </a:bodyPr>
+          <a:lstStyle/>
+          <a:p>
+            <a:pPr>
+              <a:buFont typeface="Wingdings" panose="05000000000000000000" pitchFamily="2" charset="2"/>
+              <a:buChar char="§"/>
+            </a:pPr>
+            <a:r>
+              <a:rPr lang="pl-PL" dirty="0" err="1" smtClean="0"/>
+              <a:t>Jasmine</a:t>
+            </a:r>
+            <a:r>
+              <a:rPr lang="pl-PL" sz="3200" dirty="0"/>
+              <a:t/>
+            </a:r>
+            <a:br>
+              <a:rPr lang="pl-PL" sz="3200" dirty="0"/>
+            </a:br>
+            <a:r>
+              <a:rPr lang="en-US" sz="2400" dirty="0">
+                <a:latin typeface="+mj-lt"/>
+              </a:rPr>
+              <a:t>Jasmine is a behavior-driven development framework for testing JavaScript code. It does not depend on any other JavaScript frameworks. It does not require a DOM. And it has a clean, obvious syntax so that you can easily write tests. This guide is running against Jasmine version 2.0.0.</a:t>
+            </a:r>
+            <a:endParaRPr lang="pl-PL" sz="2400" dirty="0" smtClean="0">
+              <a:latin typeface="+mj-lt"/>
+            </a:endParaRPr>
+          </a:p>
+          <a:p>
+            <a:pPr>
+              <a:buFont typeface="Wingdings" panose="05000000000000000000" pitchFamily="2" charset="2"/>
+              <a:buChar char="§"/>
+            </a:pPr>
+            <a:r>
+              <a:rPr lang="pl-PL" dirty="0" smtClean="0"/>
+              <a:t>Karma</a:t>
+            </a:r>
+            <a:r>
+              <a:rPr lang="pl-PL" sz="3200" dirty="0"/>
+              <a:t/>
+            </a:r>
+            <a:br>
+              <a:rPr lang="pl-PL" sz="3200" dirty="0"/>
+            </a:br>
+            <a:r>
+              <a:rPr lang="en-US" sz="2400" dirty="0">
+                <a:latin typeface="+mj-lt"/>
+              </a:rPr>
+              <a:t>The main goal for Karma is to bring a productive testing environment to developers. The environment being one where they don't have to set up loads of configurations, but rather a place where developers can just write the code and get instant feedback from their tests. Because getting quick feedback is what makes you productive and creative.</a:t>
+            </a:r>
+            <a:endParaRPr lang="pl-PL" sz="3200" dirty="0" smtClean="0">
+              <a:latin typeface="+mj-lt"/>
+            </a:endParaRPr>
+          </a:p>
+        </p:txBody>
+      </p:sp>
+      <p:sp>
+        <p:nvSpPr>
+          <p:cNvPr id="3" name="Tytuł 2"/>
+          <p:cNvSpPr>
+            <a:spLocks noGrp="1"/>
+          </p:cNvSpPr>
+          <p:nvPr>
+            <p:ph type="title"/>
+          </p:nvPr>
+        </p:nvSpPr>
+        <p:spPr/>
+        <p:txBody>
+          <a:bodyPr/>
+          <a:lstStyle/>
+          <a:p>
+            <a:r>
+              <a:rPr lang="pl-PL" dirty="0" smtClean="0"/>
+              <a:t>Unit </a:t>
+            </a:r>
+            <a:r>
+              <a:rPr lang="pl-PL" dirty="0" err="1" smtClean="0"/>
+              <a:t>testing</a:t>
+            </a:r>
+            <a:endParaRPr lang="pl-PL" dirty="0"/>
+          </a:p>
+        </p:txBody>
+      </p:sp>
+      <p:pic>
+        <p:nvPicPr>
+          <p:cNvPr id="6" name="Picture 5"/>
           <p:cNvPicPr>
             <a:picLocks noChangeAspect="1"/>
           </p:cNvPicPr>
@@ -3677,8 +4198,38 @@
         </p:blipFill>
         <p:spPr>
           <a:xfrm>
-            <a:off x="7910322" y="2477833"/>
-            <a:ext cx="2857500" cy="2219325"/>
+            <a:off x="6778018" y="686582"/>
+            <a:ext cx="4013033" cy="933588"/>
+          </a:xfrm>
+          <a:prstGeom prst="rect">
+            <a:avLst/>
+          </a:prstGeom>
+        </p:spPr>
+      </p:pic>
+      <p:pic>
+        <p:nvPicPr>
+          <p:cNvPr id="7" name="Picture 6"/>
+          <p:cNvPicPr>
+            <a:picLocks noChangeAspect="1"/>
+          </p:cNvPicPr>
+          <p:nvPr/>
+        </p:nvPicPr>
+        <p:blipFill>
+          <a:blip r:embed="rId3">
+            <a:extLst>
+              <a:ext uri="{28A0092B-C50C-407E-A947-70E740481C1C}">
+                <a14:useLocalDpi xmlns:a14="http://schemas.microsoft.com/office/drawing/2010/main" val="0"/>
+              </a:ext>
+            </a:extLst>
+          </a:blip>
+          <a:stretch>
+            <a:fillRect/>
+          </a:stretch>
+        </p:blipFill>
+        <p:spPr>
+          <a:xfrm>
+            <a:off x="4969565" y="365125"/>
+            <a:ext cx="1378226" cy="1378226"/>
           </a:xfrm>
           <a:prstGeom prst="rect">
             <a:avLst/>
@@ -3689,6 +4240,601 @@
     <p:extLst>
       <p:ext uri="{BB962C8B-B14F-4D97-AF65-F5344CB8AC3E}">
         <p14:creationId xmlns:p14="http://schemas.microsoft.com/office/powerpoint/2010/main" val="3054412406"/>
+      </p:ext>
+    </p:extLst>
+  </p:cSld>
+  <p:clrMapOvr>
+    <a:masterClrMapping/>
+  </p:clrMapOvr>
+</p:sld>
+</file>
+
+<file path=ppt/slides/slide14.xml><?xml version="1.0" encoding="utf-8"?>
+<p:sld xmlns:a="http://schemas.openxmlformats.org/drawingml/2006/main" xmlns:r="http://schemas.openxmlformats.org/officeDocument/2006/relationships" xmlns:p="http://schemas.openxmlformats.org/presentationml/2006/main">
+  <p:cSld>
+    <p:spTree>
+      <p:nvGrpSpPr>
+        <p:cNvPr id="1" name=""/>
+        <p:cNvGrpSpPr/>
+        <p:nvPr/>
+      </p:nvGrpSpPr>
+      <p:grpSpPr>
+        <a:xfrm>
+          <a:off x="0" y="0"/>
+          <a:ext cx="0" cy="0"/>
+          <a:chOff x="0" y="0"/>
+          <a:chExt cx="0" cy="0"/>
+        </a:xfrm>
+      </p:grpSpPr>
+      <p:sp>
+        <p:nvSpPr>
+          <p:cNvPr id="2" name="Content Placeholder 1"/>
+          <p:cNvSpPr>
+            <a:spLocks noGrp="1"/>
+          </p:cNvSpPr>
+          <p:nvPr>
+            <p:ph idx="1"/>
+          </p:nvPr>
+        </p:nvSpPr>
+        <p:spPr>
+          <a:xfrm>
+            <a:off x="2746512" y="1690688"/>
+            <a:ext cx="3429002" cy="4723537"/>
+          </a:xfrm>
+        </p:spPr>
+        <p:txBody>
+          <a:bodyPr>
+            <a:noAutofit/>
+          </a:bodyPr>
+          <a:lstStyle/>
+          <a:p>
+            <a:pPr marL="0" indent="0">
+              <a:buNone/>
+            </a:pPr>
+            <a:r>
+              <a:rPr lang="pl-PL" sz="2000" dirty="0" err="1"/>
+              <a:t>JavaScript</a:t>
+            </a:r>
+            <a:r>
+              <a:rPr lang="pl-PL" sz="2000" dirty="0"/>
+              <a:t> Design </a:t>
+            </a:r>
+            <a:r>
+              <a:rPr lang="pl-PL" sz="2000" dirty="0" err="1"/>
+              <a:t>Patterns</a:t>
+            </a:r>
+            <a:endParaRPr lang="pl-PL" sz="2000" dirty="0"/>
+          </a:p>
+          <a:p>
+            <a:pPr>
+              <a:buFont typeface="Wingdings" panose="05000000000000000000" pitchFamily="2" charset="2"/>
+              <a:buChar char="§"/>
+            </a:pPr>
+            <a:r>
+              <a:rPr lang="pl-PL" sz="1400" dirty="0" err="1">
+                <a:latin typeface="+mj-lt"/>
+              </a:rPr>
+              <a:t>Constructor</a:t>
+            </a:r>
+            <a:r>
+              <a:rPr lang="pl-PL" sz="1400" dirty="0">
+                <a:latin typeface="+mj-lt"/>
+              </a:rPr>
+              <a:t> </a:t>
+            </a:r>
+            <a:r>
+              <a:rPr lang="pl-PL" sz="1400" dirty="0" err="1">
+                <a:latin typeface="+mj-lt"/>
+              </a:rPr>
+              <a:t>Pattern</a:t>
+            </a:r>
+            <a:endParaRPr lang="pl-PL" sz="1400" dirty="0">
+              <a:latin typeface="+mj-lt"/>
+            </a:endParaRPr>
+          </a:p>
+          <a:p>
+            <a:pPr>
+              <a:buFont typeface="Wingdings" panose="05000000000000000000" pitchFamily="2" charset="2"/>
+              <a:buChar char="§"/>
+            </a:pPr>
+            <a:r>
+              <a:rPr lang="pl-PL" sz="1400" dirty="0">
+                <a:latin typeface="+mj-lt"/>
+              </a:rPr>
+              <a:t>Module </a:t>
+            </a:r>
+            <a:r>
+              <a:rPr lang="pl-PL" sz="1400" dirty="0" err="1">
+                <a:latin typeface="+mj-lt"/>
+              </a:rPr>
+              <a:t>Pattern</a:t>
+            </a:r>
+            <a:endParaRPr lang="pl-PL" sz="1400" dirty="0">
+              <a:latin typeface="+mj-lt"/>
+            </a:endParaRPr>
+          </a:p>
+          <a:p>
+            <a:pPr>
+              <a:buFont typeface="Wingdings" panose="05000000000000000000" pitchFamily="2" charset="2"/>
+              <a:buChar char="§"/>
+            </a:pPr>
+            <a:r>
+              <a:rPr lang="pl-PL" sz="1400" dirty="0" err="1">
+                <a:latin typeface="+mj-lt"/>
+              </a:rPr>
+              <a:t>Revealing</a:t>
+            </a:r>
+            <a:r>
+              <a:rPr lang="pl-PL" sz="1400" dirty="0">
+                <a:latin typeface="+mj-lt"/>
+              </a:rPr>
+              <a:t> Module </a:t>
+            </a:r>
+            <a:r>
+              <a:rPr lang="pl-PL" sz="1400" dirty="0" err="1">
+                <a:latin typeface="+mj-lt"/>
+              </a:rPr>
+              <a:t>Pattern</a:t>
+            </a:r>
+            <a:endParaRPr lang="pl-PL" sz="1400" dirty="0">
+              <a:latin typeface="+mj-lt"/>
+            </a:endParaRPr>
+          </a:p>
+          <a:p>
+            <a:pPr>
+              <a:buFont typeface="Wingdings" panose="05000000000000000000" pitchFamily="2" charset="2"/>
+              <a:buChar char="§"/>
+            </a:pPr>
+            <a:r>
+              <a:rPr lang="pl-PL" sz="1400" dirty="0">
+                <a:latin typeface="+mj-lt"/>
+              </a:rPr>
+              <a:t>Singleton </a:t>
+            </a:r>
+            <a:r>
+              <a:rPr lang="pl-PL" sz="1400" dirty="0" err="1">
+                <a:latin typeface="+mj-lt"/>
+              </a:rPr>
+              <a:t>Pattern</a:t>
+            </a:r>
+            <a:endParaRPr lang="pl-PL" sz="1400" dirty="0">
+              <a:latin typeface="+mj-lt"/>
+            </a:endParaRPr>
+          </a:p>
+          <a:p>
+            <a:pPr>
+              <a:buFont typeface="Wingdings" panose="05000000000000000000" pitchFamily="2" charset="2"/>
+              <a:buChar char="§"/>
+            </a:pPr>
+            <a:r>
+              <a:rPr lang="pl-PL" sz="1400" dirty="0" err="1">
+                <a:latin typeface="+mj-lt"/>
+              </a:rPr>
+              <a:t>Observer</a:t>
+            </a:r>
+            <a:r>
+              <a:rPr lang="pl-PL" sz="1400" dirty="0">
+                <a:latin typeface="+mj-lt"/>
+              </a:rPr>
+              <a:t> </a:t>
+            </a:r>
+            <a:r>
+              <a:rPr lang="pl-PL" sz="1400" dirty="0" err="1" smtClean="0">
+                <a:latin typeface="+mj-lt"/>
+              </a:rPr>
+              <a:t>Pattern</a:t>
+            </a:r>
+            <a:endParaRPr lang="pl-PL" sz="1400" dirty="0">
+              <a:latin typeface="+mj-lt"/>
+            </a:endParaRPr>
+          </a:p>
+          <a:p>
+            <a:pPr>
+              <a:buFont typeface="Wingdings" panose="05000000000000000000" pitchFamily="2" charset="2"/>
+              <a:buChar char="§"/>
+            </a:pPr>
+            <a:r>
+              <a:rPr lang="pl-PL" sz="1400" dirty="0">
+                <a:latin typeface="+mj-lt"/>
+              </a:rPr>
+              <a:t>Mediator </a:t>
+            </a:r>
+            <a:r>
+              <a:rPr lang="pl-PL" sz="1400" dirty="0" err="1">
+                <a:latin typeface="+mj-lt"/>
+              </a:rPr>
+              <a:t>Pattern</a:t>
+            </a:r>
+            <a:endParaRPr lang="pl-PL" sz="1400" dirty="0">
+              <a:latin typeface="+mj-lt"/>
+            </a:endParaRPr>
+          </a:p>
+          <a:p>
+            <a:pPr>
+              <a:buFont typeface="Wingdings" panose="05000000000000000000" pitchFamily="2" charset="2"/>
+              <a:buChar char="§"/>
+            </a:pPr>
+            <a:r>
+              <a:rPr lang="pl-PL" sz="1400" dirty="0" err="1">
+                <a:latin typeface="+mj-lt"/>
+              </a:rPr>
+              <a:t>Prototype</a:t>
+            </a:r>
+            <a:r>
+              <a:rPr lang="pl-PL" sz="1400" dirty="0">
+                <a:latin typeface="+mj-lt"/>
+              </a:rPr>
+              <a:t> </a:t>
+            </a:r>
+            <a:r>
+              <a:rPr lang="pl-PL" sz="1400" dirty="0" err="1">
+                <a:latin typeface="+mj-lt"/>
+              </a:rPr>
+              <a:t>Pattern</a:t>
+            </a:r>
+            <a:endParaRPr lang="pl-PL" sz="1400" dirty="0">
+              <a:latin typeface="+mj-lt"/>
+            </a:endParaRPr>
+          </a:p>
+          <a:p>
+            <a:pPr>
+              <a:buFont typeface="Wingdings" panose="05000000000000000000" pitchFamily="2" charset="2"/>
+              <a:buChar char="§"/>
+            </a:pPr>
+            <a:r>
+              <a:rPr lang="pl-PL" sz="1400" dirty="0" err="1">
+                <a:latin typeface="+mj-lt"/>
+              </a:rPr>
+              <a:t>Command</a:t>
+            </a:r>
+            <a:r>
+              <a:rPr lang="pl-PL" sz="1400" dirty="0">
+                <a:latin typeface="+mj-lt"/>
+              </a:rPr>
+              <a:t> </a:t>
+            </a:r>
+            <a:r>
+              <a:rPr lang="pl-PL" sz="1400" dirty="0" err="1">
+                <a:latin typeface="+mj-lt"/>
+              </a:rPr>
+              <a:t>Pattern</a:t>
+            </a:r>
+            <a:endParaRPr lang="pl-PL" sz="1400" dirty="0">
+              <a:latin typeface="+mj-lt"/>
+            </a:endParaRPr>
+          </a:p>
+          <a:p>
+            <a:pPr>
+              <a:buFont typeface="Wingdings" panose="05000000000000000000" pitchFamily="2" charset="2"/>
+              <a:buChar char="§"/>
+            </a:pPr>
+            <a:r>
+              <a:rPr lang="pl-PL" sz="1400" dirty="0" err="1">
+                <a:latin typeface="+mj-lt"/>
+              </a:rPr>
+              <a:t>Facade</a:t>
+            </a:r>
+            <a:r>
+              <a:rPr lang="pl-PL" sz="1400" dirty="0">
+                <a:latin typeface="+mj-lt"/>
+              </a:rPr>
+              <a:t> </a:t>
+            </a:r>
+            <a:r>
+              <a:rPr lang="pl-PL" sz="1400" dirty="0" err="1">
+                <a:latin typeface="+mj-lt"/>
+              </a:rPr>
+              <a:t>Pattern</a:t>
+            </a:r>
+            <a:endParaRPr lang="pl-PL" sz="1400" dirty="0">
+              <a:latin typeface="+mj-lt"/>
+            </a:endParaRPr>
+          </a:p>
+          <a:p>
+            <a:pPr>
+              <a:buFont typeface="Wingdings" panose="05000000000000000000" pitchFamily="2" charset="2"/>
+              <a:buChar char="§"/>
+            </a:pPr>
+            <a:r>
+              <a:rPr lang="pl-PL" sz="1400" dirty="0" err="1">
+                <a:latin typeface="+mj-lt"/>
+              </a:rPr>
+              <a:t>Factory</a:t>
+            </a:r>
+            <a:r>
+              <a:rPr lang="pl-PL" sz="1400" dirty="0">
+                <a:latin typeface="+mj-lt"/>
+              </a:rPr>
+              <a:t> </a:t>
+            </a:r>
+            <a:r>
+              <a:rPr lang="pl-PL" sz="1400" dirty="0" err="1">
+                <a:latin typeface="+mj-lt"/>
+              </a:rPr>
+              <a:t>Pattern</a:t>
+            </a:r>
+            <a:endParaRPr lang="pl-PL" sz="1400" dirty="0">
+              <a:latin typeface="+mj-lt"/>
+            </a:endParaRPr>
+          </a:p>
+          <a:p>
+            <a:pPr>
+              <a:buFont typeface="Wingdings" panose="05000000000000000000" pitchFamily="2" charset="2"/>
+              <a:buChar char="§"/>
+            </a:pPr>
+            <a:r>
+              <a:rPr lang="pl-PL" sz="1400" dirty="0" err="1">
+                <a:latin typeface="+mj-lt"/>
+              </a:rPr>
+              <a:t>Mixin</a:t>
+            </a:r>
+            <a:r>
+              <a:rPr lang="pl-PL" sz="1400" dirty="0">
+                <a:latin typeface="+mj-lt"/>
+              </a:rPr>
+              <a:t> </a:t>
+            </a:r>
+            <a:r>
+              <a:rPr lang="pl-PL" sz="1400" dirty="0" err="1">
+                <a:latin typeface="+mj-lt"/>
+              </a:rPr>
+              <a:t>Pattern</a:t>
+            </a:r>
+            <a:endParaRPr lang="pl-PL" sz="1400" dirty="0">
+              <a:latin typeface="+mj-lt"/>
+            </a:endParaRPr>
+          </a:p>
+          <a:p>
+            <a:pPr>
+              <a:buFont typeface="Wingdings" panose="05000000000000000000" pitchFamily="2" charset="2"/>
+              <a:buChar char="§"/>
+            </a:pPr>
+            <a:r>
+              <a:rPr lang="pl-PL" sz="1400" dirty="0" err="1">
+                <a:latin typeface="+mj-lt"/>
+              </a:rPr>
+              <a:t>Decorator</a:t>
+            </a:r>
+            <a:r>
+              <a:rPr lang="pl-PL" sz="1400" dirty="0">
+                <a:latin typeface="+mj-lt"/>
+              </a:rPr>
+              <a:t> </a:t>
+            </a:r>
+            <a:r>
+              <a:rPr lang="pl-PL" sz="1400" dirty="0" err="1">
+                <a:latin typeface="+mj-lt"/>
+              </a:rPr>
+              <a:t>Pattern</a:t>
+            </a:r>
+            <a:endParaRPr lang="pl-PL" sz="1400" dirty="0">
+              <a:latin typeface="+mj-lt"/>
+            </a:endParaRPr>
+          </a:p>
+          <a:p>
+            <a:pPr>
+              <a:buFont typeface="Wingdings" panose="05000000000000000000" pitchFamily="2" charset="2"/>
+              <a:buChar char="§"/>
+            </a:pPr>
+            <a:r>
+              <a:rPr lang="pl-PL" sz="1400" dirty="0" err="1">
+                <a:latin typeface="+mj-lt"/>
+              </a:rPr>
+              <a:t>Flyweight</a:t>
+            </a:r>
+            <a:r>
+              <a:rPr lang="pl-PL" sz="1400" dirty="0">
+                <a:latin typeface="+mj-lt"/>
+              </a:rPr>
+              <a:t> </a:t>
+            </a:r>
+            <a:r>
+              <a:rPr lang="pl-PL" sz="1400" dirty="0" err="1">
+                <a:latin typeface="+mj-lt"/>
+              </a:rPr>
+              <a:t>Pattern</a:t>
+            </a:r>
+            <a:endParaRPr lang="pl-PL" sz="1400" dirty="0">
+              <a:latin typeface="+mj-lt"/>
+            </a:endParaRPr>
+          </a:p>
+        </p:txBody>
+      </p:sp>
+      <p:sp>
+        <p:nvSpPr>
+          <p:cNvPr id="3" name="Title 2"/>
+          <p:cNvSpPr>
+            <a:spLocks noGrp="1"/>
+          </p:cNvSpPr>
+          <p:nvPr>
+            <p:ph type="title"/>
+          </p:nvPr>
+        </p:nvSpPr>
+        <p:spPr/>
+        <p:txBody>
+          <a:bodyPr/>
+          <a:lstStyle/>
+          <a:p>
+            <a:r>
+              <a:rPr lang="pl-PL" dirty="0" err="1" smtClean="0"/>
+              <a:t>JavaScript</a:t>
+            </a:r>
+            <a:r>
+              <a:rPr lang="pl-PL" dirty="0" smtClean="0"/>
+              <a:t> – </a:t>
+            </a:r>
+            <a:r>
+              <a:rPr lang="pl-PL" dirty="0" err="1" smtClean="0"/>
+              <a:t>coding</a:t>
+            </a:r>
+            <a:r>
+              <a:rPr lang="pl-PL" dirty="0" smtClean="0"/>
+              <a:t> </a:t>
+            </a:r>
+            <a:r>
+              <a:rPr lang="pl-PL" dirty="0" err="1" smtClean="0"/>
+              <a:t>standards</a:t>
+            </a:r>
+            <a:endParaRPr lang="pl-PL" dirty="0"/>
+          </a:p>
+        </p:txBody>
+      </p:sp>
+    </p:spTree>
+    <p:extLst>
+      <p:ext uri="{BB962C8B-B14F-4D97-AF65-F5344CB8AC3E}">
+        <p14:creationId xmlns:p14="http://schemas.microsoft.com/office/powerpoint/2010/main" val="2072182694"/>
+      </p:ext>
+    </p:extLst>
+  </p:cSld>
+  <p:clrMapOvr>
+    <a:masterClrMapping/>
+  </p:clrMapOvr>
+</p:sld>
+</file>
+
+<file path=ppt/slides/slide15.xml><?xml version="1.0" encoding="utf-8"?>
+<p:sld xmlns:a="http://schemas.openxmlformats.org/drawingml/2006/main" xmlns:r="http://schemas.openxmlformats.org/officeDocument/2006/relationships" xmlns:p="http://schemas.openxmlformats.org/presentationml/2006/main">
+  <p:cSld>
+    <p:spTree>
+      <p:nvGrpSpPr>
+        <p:cNvPr id="1" name=""/>
+        <p:cNvGrpSpPr/>
+        <p:nvPr/>
+      </p:nvGrpSpPr>
+      <p:grpSpPr>
+        <a:xfrm>
+          <a:off x="0" y="0"/>
+          <a:ext cx="0" cy="0"/>
+          <a:chOff x="0" y="0"/>
+          <a:chExt cx="0" cy="0"/>
+        </a:xfrm>
+      </p:grpSpPr>
+      <p:sp>
+        <p:nvSpPr>
+          <p:cNvPr id="2" name="Content Placeholder 1"/>
+          <p:cNvSpPr>
+            <a:spLocks noGrp="1"/>
+          </p:cNvSpPr>
+          <p:nvPr>
+            <p:ph idx="1"/>
+          </p:nvPr>
+        </p:nvSpPr>
+        <p:spPr/>
+        <p:txBody>
+          <a:bodyPr/>
+          <a:lstStyle/>
+          <a:p>
+            <a:pPr marL="0" indent="0">
+              <a:buNone/>
+            </a:pPr>
+            <a:r>
+              <a:rPr lang="pl-PL" dirty="0" smtClean="0">
+                <a:latin typeface="+mj-lt"/>
+              </a:rPr>
+              <a:t>DEMO</a:t>
+            </a:r>
+            <a:endParaRPr lang="pl-PL" dirty="0">
+              <a:latin typeface="+mj-lt"/>
+            </a:endParaRPr>
+          </a:p>
+        </p:txBody>
+      </p:sp>
+      <p:sp>
+        <p:nvSpPr>
+          <p:cNvPr id="3" name="Title 2"/>
+          <p:cNvSpPr>
+            <a:spLocks noGrp="1"/>
+          </p:cNvSpPr>
+          <p:nvPr>
+            <p:ph type="title"/>
+          </p:nvPr>
+        </p:nvSpPr>
+        <p:spPr/>
+        <p:txBody>
+          <a:bodyPr/>
+          <a:lstStyle/>
+          <a:p>
+            <a:r>
+              <a:rPr lang="pl-PL" dirty="0" err="1" smtClean="0"/>
+              <a:t>Overall</a:t>
+            </a:r>
+            <a:r>
+              <a:rPr lang="pl-PL" dirty="0" smtClean="0"/>
+              <a:t> </a:t>
+            </a:r>
+            <a:r>
+              <a:rPr lang="pl-PL" dirty="0" err="1" smtClean="0"/>
+              <a:t>architecture</a:t>
+            </a:r>
+            <a:endParaRPr lang="pl-PL" dirty="0"/>
+          </a:p>
+        </p:txBody>
+      </p:sp>
+    </p:spTree>
+    <p:extLst>
+      <p:ext uri="{BB962C8B-B14F-4D97-AF65-F5344CB8AC3E}">
+        <p14:creationId xmlns:p14="http://schemas.microsoft.com/office/powerpoint/2010/main" val="2001063738"/>
+      </p:ext>
+    </p:extLst>
+  </p:cSld>
+  <p:clrMapOvr>
+    <a:masterClrMapping/>
+  </p:clrMapOvr>
+</p:sld>
+</file>
+
+<file path=ppt/slides/slide16.xml><?xml version="1.0" encoding="utf-8"?>
+<p:sld xmlns:a="http://schemas.openxmlformats.org/drawingml/2006/main" xmlns:r="http://schemas.openxmlformats.org/officeDocument/2006/relationships" xmlns:p="http://schemas.openxmlformats.org/presentationml/2006/main">
+  <p:cSld>
+    <p:spTree>
+      <p:nvGrpSpPr>
+        <p:cNvPr id="1" name=""/>
+        <p:cNvGrpSpPr/>
+        <p:nvPr/>
+      </p:nvGrpSpPr>
+      <p:grpSpPr>
+        <a:xfrm>
+          <a:off x="0" y="0"/>
+          <a:ext cx="0" cy="0"/>
+          <a:chOff x="0" y="0"/>
+          <a:chExt cx="0" cy="0"/>
+        </a:xfrm>
+      </p:grpSpPr>
+      <p:sp>
+        <p:nvSpPr>
+          <p:cNvPr id="3" name="Title 2"/>
+          <p:cNvSpPr>
+            <a:spLocks noGrp="1"/>
+          </p:cNvSpPr>
+          <p:nvPr>
+            <p:ph type="title"/>
+          </p:nvPr>
+        </p:nvSpPr>
+        <p:spPr/>
+        <p:txBody>
+          <a:bodyPr/>
+          <a:lstStyle/>
+          <a:p>
+            <a:r>
+              <a:rPr lang="pl-PL" dirty="0" err="1" smtClean="0"/>
+              <a:t>Thank</a:t>
+            </a:r>
+            <a:r>
+              <a:rPr lang="pl-PL" dirty="0" smtClean="0"/>
+              <a:t> </a:t>
+            </a:r>
+            <a:r>
+              <a:rPr lang="pl-PL" dirty="0" err="1" smtClean="0"/>
+              <a:t>you</a:t>
+            </a:r>
+            <a:endParaRPr lang="pl-PL" dirty="0"/>
+          </a:p>
+        </p:txBody>
+      </p:sp>
+    </p:spTree>
+    <p:extLst>
+      <p:ext uri="{BB962C8B-B14F-4D97-AF65-F5344CB8AC3E}">
+        <p14:creationId xmlns:p14="http://schemas.microsoft.com/office/powerpoint/2010/main" val="3494335813"/>
       </p:ext>
     </p:extLst>
   </p:cSld>
@@ -3727,7 +4873,9 @@
         </p:nvSpPr>
         <p:spPr/>
         <p:txBody>
-          <a:bodyPr/>
+          <a:bodyPr>
+            <a:normAutofit lnSpcReduction="10000"/>
+          </a:bodyPr>
           <a:lstStyle/>
           <a:p>
             <a:r>
@@ -3746,16 +4894,104 @@
           </a:p>
           <a:p>
             <a:r>
-              <a:rPr lang="pl-PL" dirty="0" err="1" smtClean="0"/>
+              <a:rPr lang="pl-PL" dirty="0"/>
+              <a:t>Front-End </a:t>
+            </a:r>
+            <a:r>
+              <a:rPr lang="pl-PL" dirty="0" smtClean="0"/>
+              <a:t>Utilities</a:t>
+            </a:r>
+          </a:p>
+          <a:p>
+            <a:r>
+              <a:rPr lang="pl-PL" dirty="0" err="1"/>
+              <a:t>Maintaining</a:t>
+            </a:r>
+            <a:r>
+              <a:rPr lang="pl-PL" dirty="0"/>
+              <a:t> </a:t>
+            </a:r>
+            <a:r>
+              <a:rPr lang="pl-PL" dirty="0" err="1"/>
               <a:t>JavaScript</a:t>
             </a:r>
+            <a:r>
+              <a:rPr lang="pl-PL" dirty="0"/>
+              <a:t> </a:t>
+            </a:r>
+            <a:r>
+              <a:rPr lang="pl-PL" dirty="0" err="1" smtClean="0"/>
+              <a:t>components</a:t>
+            </a:r>
             <a:endParaRPr lang="pl-PL" dirty="0" smtClean="0"/>
           </a:p>
           <a:p>
-            <a:r>
-              <a:rPr lang="pl-PL" dirty="0" smtClean="0"/>
-              <a:t>Tools</a:t>
-            </a:r>
+            <a:pPr lvl="1"/>
+            <a:r>
+              <a:rPr lang="pl-PL" dirty="0" smtClean="0"/>
+              <a:t>Node.js &amp; </a:t>
+            </a:r>
+            <a:r>
+              <a:rPr lang="pl-PL" dirty="0" err="1" smtClean="0"/>
+              <a:t>npm</a:t>
+            </a:r>
+            <a:endParaRPr lang="pl-PL" dirty="0" smtClean="0"/>
+          </a:p>
+          <a:p>
+            <a:pPr lvl="1"/>
+            <a:r>
+              <a:rPr lang="pl-PL" dirty="0" err="1" smtClean="0"/>
+              <a:t>Bower</a:t>
+            </a:r>
+            <a:endParaRPr lang="pl-PL" dirty="0" smtClean="0"/>
+          </a:p>
+          <a:p>
+            <a:pPr lvl="1"/>
+            <a:r>
+              <a:rPr lang="pl-PL" dirty="0" smtClean="0"/>
+              <a:t>Grunt</a:t>
+            </a:r>
+          </a:p>
+          <a:p>
+            <a:r>
+              <a:rPr lang="pl-PL" dirty="0" err="1" smtClean="0"/>
+              <a:t>AngularJS</a:t>
+            </a:r>
+            <a:endParaRPr lang="pl-PL" dirty="0" smtClean="0"/>
+          </a:p>
+          <a:p>
+            <a:r>
+              <a:rPr lang="pl-PL" dirty="0" smtClean="0"/>
+              <a:t>Unit </a:t>
+            </a:r>
+            <a:r>
+              <a:rPr lang="pl-PL" dirty="0" err="1" smtClean="0"/>
+              <a:t>testing</a:t>
+            </a:r>
+            <a:endParaRPr lang="pl-PL" dirty="0" smtClean="0"/>
+          </a:p>
+          <a:p>
+            <a:r>
+              <a:rPr lang="pl-PL" dirty="0" err="1"/>
+              <a:t>JavaScript</a:t>
+            </a:r>
+            <a:r>
+              <a:rPr lang="pl-PL" dirty="0"/>
+              <a:t> – </a:t>
+            </a:r>
+            <a:r>
+              <a:rPr lang="pl-PL" dirty="0" err="1"/>
+              <a:t>coding</a:t>
+            </a:r>
+            <a:r>
+              <a:rPr lang="pl-PL" dirty="0"/>
+              <a:t> </a:t>
+            </a:r>
+            <a:r>
+              <a:rPr lang="pl-PL" dirty="0" err="1"/>
+              <a:t>standards</a:t>
+            </a:r>
+            <a:endParaRPr lang="pl-PL" dirty="0" smtClean="0"/>
           </a:p>
           <a:p>
             <a:r>
@@ -4004,6 +5240,34 @@
               <a:rPr lang="pl-PL" dirty="0" err="1" smtClean="0"/>
               <a:t>systems</a:t>
             </a:r>
+            <a:r>
+              <a:rPr lang="pl-PL" dirty="0" smtClean="0"/>
+              <a:t> (</a:t>
+            </a:r>
+            <a:r>
+              <a:rPr lang="pl-PL" dirty="0" err="1" smtClean="0"/>
+              <a:t>e.g</a:t>
+            </a:r>
+            <a:r>
+              <a:rPr lang="pl-PL" dirty="0" smtClean="0"/>
+              <a:t>. </a:t>
+            </a:r>
+            <a:r>
+              <a:rPr lang="pl-PL" dirty="0" err="1" smtClean="0"/>
+              <a:t>BootstrapTwitter</a:t>
+            </a:r>
+            <a:r>
+              <a:rPr lang="pl-PL" dirty="0" smtClean="0"/>
+              <a:t>, 960 </a:t>
+            </a:r>
+            <a:r>
+              <a:rPr lang="pl-PL" dirty="0" err="1" smtClean="0"/>
+              <a:t>Grid</a:t>
+            </a:r>
+            <a:r>
+              <a:rPr lang="pl-PL" dirty="0" smtClean="0"/>
+              <a:t> System)</a:t>
+            </a:r>
             <a:endParaRPr lang="pl-PL" dirty="0"/>
           </a:p>
           <a:p>
@@ -4087,7 +5351,7 @@
             </a:r>
             <a:r>
               <a:rPr lang="pl-PL" dirty="0" err="1" smtClean="0"/>
-              <a:t>alers</a:t>
+              <a:t>alerts</a:t>
             </a:r>
             <a:r>
               <a:rPr lang="pl-PL" dirty="0" smtClean="0"/>
@@ -4144,11 +5408,7 @@
           <a:p>
             <a:r>
               <a:rPr lang="pl-PL" dirty="0" smtClean="0"/>
-              <a:t>Front-End </a:t>
-            </a:r>
-            <a:r>
-              <a:rPr lang="pl-PL" dirty="0" err="1" smtClean="0"/>
-              <a:t>frameworks</a:t>
+              <a:t>Front-End Utilities</a:t>
             </a:r>
             <a:endParaRPr lang="pl-PL" dirty="0"/>
           </a:p>
@@ -4186,6 +5446,402 @@
       </p:grpSpPr>
       <p:sp>
         <p:nvSpPr>
+          <p:cNvPr id="2" name="Content Placeholder 1"/>
+          <p:cNvSpPr>
+            <a:spLocks noGrp="1"/>
+          </p:cNvSpPr>
+          <p:nvPr>
+            <p:ph idx="1"/>
+          </p:nvPr>
+        </p:nvSpPr>
+        <p:spPr>
+          <a:xfrm>
+            <a:off x="838200" y="1402351"/>
+            <a:ext cx="10515600" cy="1103105"/>
+          </a:xfrm>
+        </p:spPr>
+        <p:txBody>
+          <a:bodyPr/>
+          <a:lstStyle/>
+          <a:p>
+            <a:pPr marL="0" indent="0">
+              <a:buNone/>
+            </a:pPr>
+            <a:r>
+              <a:rPr lang="pl-PL" dirty="0" smtClean="0">
+                <a:latin typeface="+mj-lt"/>
+              </a:rPr>
+              <a:t>It’</a:t>
+            </a:r>
+            <a:r>
+              <a:rPr lang="en-US" dirty="0" smtClean="0">
+                <a:latin typeface="+mj-lt"/>
+              </a:rPr>
+              <a:t>s </a:t>
+            </a:r>
+            <a:r>
+              <a:rPr lang="en-US" dirty="0">
+                <a:latin typeface="+mj-lt"/>
+              </a:rPr>
+              <a:t>the most popular HTML, CSS, and JS framework for developing responsive, mobile first projects on the web.</a:t>
+            </a:r>
+            <a:endParaRPr lang="pl-PL" dirty="0">
+              <a:latin typeface="+mj-lt"/>
+            </a:endParaRPr>
+          </a:p>
+        </p:txBody>
+      </p:sp>
+      <p:sp>
+        <p:nvSpPr>
+          <p:cNvPr id="3" name="Title 2"/>
+          <p:cNvSpPr>
+            <a:spLocks noGrp="1"/>
+          </p:cNvSpPr>
+          <p:nvPr>
+            <p:ph type="title"/>
+          </p:nvPr>
+        </p:nvSpPr>
+        <p:spPr/>
+        <p:txBody>
+          <a:bodyPr/>
+          <a:lstStyle/>
+          <a:p>
+            <a:r>
+              <a:rPr lang="pl-PL" dirty="0" err="1" smtClean="0"/>
+              <a:t>Bootstrap</a:t>
+            </a:r>
+            <a:r>
+              <a:rPr lang="pl-PL" dirty="0" smtClean="0"/>
+              <a:t> Twitter</a:t>
+            </a:r>
+            <a:endParaRPr lang="pl-PL" dirty="0"/>
+          </a:p>
+        </p:txBody>
+      </p:sp>
+      <p:sp>
+        <p:nvSpPr>
+          <p:cNvPr id="4" name="Title 2"/>
+          <p:cNvSpPr txBox="1">
+            <a:spLocks/>
+          </p:cNvSpPr>
+          <p:nvPr/>
+        </p:nvSpPr>
+        <p:spPr>
+          <a:xfrm>
+            <a:off x="838200" y="2231715"/>
+            <a:ext cx="10515600" cy="1325563"/>
+          </a:xfrm>
+          <a:prstGeom prst="rect">
+            <a:avLst/>
+          </a:prstGeom>
+        </p:spPr>
+        <p:txBody>
+          <a:bodyPr vert="horz" lIns="91440" tIns="45720" rIns="91440" bIns="45720" rtlCol="0" anchor="ctr">
+            <a:normAutofit/>
+          </a:bodyPr>
+          <a:lstStyle>
+            <a:lvl1pPr algn="l" defTabSz="914400" rtl="0" eaLnBrk="1" latinLnBrk="0" hangingPunct="1">
+              <a:lnSpc>
+                <a:spcPct val="90000"/>
+              </a:lnSpc>
+              <a:spcBef>
+                <a:spcPct val="0"/>
+              </a:spcBef>
+              <a:buNone/>
+              <a:defRPr sz="4400" kern="1200">
+                <a:solidFill>
+                  <a:schemeClr val="tx1"/>
+                </a:solidFill>
+                <a:latin typeface="+mj-lt"/>
+                <a:ea typeface="+mj-ea"/>
+                <a:cs typeface="+mj-cs"/>
+              </a:defRPr>
+            </a:lvl1pPr>
+          </a:lstStyle>
+          <a:p>
+            <a:r>
+              <a:rPr lang="pl-PL" dirty="0" err="1" smtClean="0"/>
+              <a:t>jQuery</a:t>
+            </a:r>
+            <a:endParaRPr lang="pl-PL" dirty="0"/>
+          </a:p>
+        </p:txBody>
+      </p:sp>
+      <p:sp>
+        <p:nvSpPr>
+          <p:cNvPr id="5" name="Content Placeholder 1"/>
+          <p:cNvSpPr txBox="1">
+            <a:spLocks/>
+          </p:cNvSpPr>
+          <p:nvPr/>
+        </p:nvSpPr>
+        <p:spPr>
+          <a:xfrm>
+            <a:off x="838200" y="3320707"/>
+            <a:ext cx="10515600" cy="1781380"/>
+          </a:xfrm>
+          <a:prstGeom prst="rect">
+            <a:avLst/>
+          </a:prstGeom>
+        </p:spPr>
+        <p:txBody>
+          <a:bodyPr vert="horz" lIns="91440" tIns="45720" rIns="91440" bIns="45720" rtlCol="0">
+            <a:normAutofit fontScale="92500" lnSpcReduction="10000"/>
+          </a:bodyPr>
+          <a:lstStyle>
+            <a:lvl1pPr marL="228600" indent="-228600" algn="l" defTabSz="914400" rtl="0" eaLnBrk="1" latinLnBrk="0" hangingPunct="1">
+              <a:lnSpc>
+                <a:spcPct val="90000"/>
+              </a:lnSpc>
+              <a:spcBef>
+                <a:spcPts val="1000"/>
+              </a:spcBef>
+              <a:buFont typeface="Arial" panose="020B0604020202020204" pitchFamily="34" charset="0"/>
+              <a:buChar char="•"/>
+              <a:defRPr sz="2800" kern="1200">
+                <a:solidFill>
+                  <a:schemeClr val="tx1"/>
+                </a:solidFill>
+                <a:latin typeface="+mn-lt"/>
+                <a:ea typeface="+mn-ea"/>
+                <a:cs typeface="+mn-cs"/>
+              </a:defRPr>
+            </a:lvl1pPr>
+            <a:lvl2pPr marL="685800" indent="-228600" algn="l" defTabSz="914400" rtl="0" eaLnBrk="1" latinLnBrk="0" hangingPunct="1">
+              <a:lnSpc>
+                <a:spcPct val="90000"/>
+              </a:lnSpc>
+              <a:spcBef>
+                <a:spcPts val="500"/>
+              </a:spcBef>
+              <a:buFont typeface="Arial" panose="020B0604020202020204" pitchFamily="34" charset="0"/>
+              <a:buChar char="•"/>
+              <a:defRPr sz="2400" kern="1200">
+                <a:solidFill>
+                  <a:schemeClr val="tx1"/>
+                </a:solidFill>
+                <a:latin typeface="+mn-lt"/>
+                <a:ea typeface="+mn-ea"/>
+                <a:cs typeface="+mn-cs"/>
+              </a:defRPr>
+            </a:lvl2pPr>
+            <a:lvl3pPr marL="1143000" indent="-228600" algn="l" defTabSz="914400" rtl="0" eaLnBrk="1" latinLnBrk="0" hangingPunct="1">
+              <a:lnSpc>
+                <a:spcPct val="90000"/>
+              </a:lnSpc>
+              <a:spcBef>
+                <a:spcPts val="500"/>
+              </a:spcBef>
+              <a:buFont typeface="Arial" panose="020B0604020202020204" pitchFamily="34" charset="0"/>
+              <a:buChar char="•"/>
+              <a:defRPr sz="2000" kern="1200">
+                <a:solidFill>
+                  <a:schemeClr val="tx1"/>
+                </a:solidFill>
+                <a:latin typeface="+mn-lt"/>
+                <a:ea typeface="+mn-ea"/>
+                <a:cs typeface="+mn-cs"/>
+              </a:defRPr>
+            </a:lvl3pPr>
+            <a:lvl4pPr marL="1600200" indent="-228600" algn="l" defTabSz="914400" rtl="0" eaLnBrk="1" latinLnBrk="0" hangingPunct="1">
+              <a:lnSpc>
+                <a:spcPct val="90000"/>
+              </a:lnSpc>
+              <a:spcBef>
+                <a:spcPts val="500"/>
+              </a:spcBef>
+              <a:buFont typeface="Arial" panose="020B0604020202020204" pitchFamily="34" charset="0"/>
+              <a:buChar char="•"/>
+              <a:defRPr sz="1800" kern="1200">
+                <a:solidFill>
+                  <a:schemeClr val="tx1"/>
+                </a:solidFill>
+                <a:latin typeface="+mn-lt"/>
+                <a:ea typeface="+mn-ea"/>
+                <a:cs typeface="+mn-cs"/>
+              </a:defRPr>
+            </a:lvl4pPr>
+            <a:lvl5pPr marL="2057400" indent="-228600" algn="l" defTabSz="914400" rtl="0" eaLnBrk="1" latinLnBrk="0" hangingPunct="1">
+              <a:lnSpc>
+                <a:spcPct val="90000"/>
+              </a:lnSpc>
+              <a:spcBef>
+                <a:spcPts val="500"/>
+              </a:spcBef>
+              <a:buFont typeface="Arial" panose="020B0604020202020204" pitchFamily="34" charset="0"/>
+              <a:buChar char="•"/>
+              <a:defRPr sz="1800" kern="1200">
+                <a:solidFill>
+                  <a:schemeClr val="tx1"/>
+                </a:solidFill>
+                <a:latin typeface="+mn-lt"/>
+                <a:ea typeface="+mn-ea"/>
+                <a:cs typeface="+mn-cs"/>
+              </a:defRPr>
+            </a:lvl5pPr>
+            <a:lvl6pPr marL="2514600" indent="-228600" algn="l" defTabSz="914400" rtl="0" eaLnBrk="1" latinLnBrk="0" hangingPunct="1">
+              <a:lnSpc>
+                <a:spcPct val="90000"/>
+              </a:lnSpc>
+              <a:spcBef>
+                <a:spcPts val="500"/>
+              </a:spcBef>
+              <a:buFont typeface="Arial" panose="020B0604020202020204" pitchFamily="34" charset="0"/>
+              <a:buChar char="•"/>
+              <a:defRPr sz="1800" kern="1200">
+                <a:solidFill>
+                  <a:schemeClr val="tx1"/>
+                </a:solidFill>
+                <a:latin typeface="+mn-lt"/>
+                <a:ea typeface="+mn-ea"/>
+                <a:cs typeface="+mn-cs"/>
+              </a:defRPr>
+            </a:lvl6pPr>
+            <a:lvl7pPr marL="2971800" indent="-228600" algn="l" defTabSz="914400" rtl="0" eaLnBrk="1" latinLnBrk="0" hangingPunct="1">
+              <a:lnSpc>
+                <a:spcPct val="90000"/>
+              </a:lnSpc>
+              <a:spcBef>
+                <a:spcPts val="500"/>
+              </a:spcBef>
+              <a:buFont typeface="Arial" panose="020B0604020202020204" pitchFamily="34" charset="0"/>
+              <a:buChar char="•"/>
+              <a:defRPr sz="1800" kern="1200">
+                <a:solidFill>
+                  <a:schemeClr val="tx1"/>
+                </a:solidFill>
+                <a:latin typeface="+mn-lt"/>
+                <a:ea typeface="+mn-ea"/>
+                <a:cs typeface="+mn-cs"/>
+              </a:defRPr>
+            </a:lvl7pPr>
+            <a:lvl8pPr marL="3429000" indent="-228600" algn="l" defTabSz="914400" rtl="0" eaLnBrk="1" latinLnBrk="0" hangingPunct="1">
+              <a:lnSpc>
+                <a:spcPct val="90000"/>
+              </a:lnSpc>
+              <a:spcBef>
+                <a:spcPts val="500"/>
+              </a:spcBef>
+              <a:buFont typeface="Arial" panose="020B0604020202020204" pitchFamily="34" charset="0"/>
+              <a:buChar char="•"/>
+              <a:defRPr sz="1800" kern="1200">
+                <a:solidFill>
+                  <a:schemeClr val="tx1"/>
+                </a:solidFill>
+                <a:latin typeface="+mn-lt"/>
+                <a:ea typeface="+mn-ea"/>
+                <a:cs typeface="+mn-cs"/>
+              </a:defRPr>
+            </a:lvl8pPr>
+            <a:lvl9pPr marL="3886200" indent="-228600" algn="l" defTabSz="914400" rtl="0" eaLnBrk="1" latinLnBrk="0" hangingPunct="1">
+              <a:lnSpc>
+                <a:spcPct val="90000"/>
+              </a:lnSpc>
+              <a:spcBef>
+                <a:spcPts val="500"/>
+              </a:spcBef>
+              <a:buFont typeface="Arial" panose="020B0604020202020204" pitchFamily="34" charset="0"/>
+              <a:buChar char="•"/>
+              <a:defRPr sz="1800" kern="1200">
+                <a:solidFill>
+                  <a:schemeClr val="tx1"/>
+                </a:solidFill>
+                <a:latin typeface="+mn-lt"/>
+                <a:ea typeface="+mn-ea"/>
+                <a:cs typeface="+mn-cs"/>
+              </a:defRPr>
+            </a:lvl9pPr>
+          </a:lstStyle>
+          <a:p>
+            <a:pPr marL="0" indent="0">
+              <a:buNone/>
+            </a:pPr>
+            <a:r>
+              <a:rPr lang="pl-PL" dirty="0" smtClean="0">
+                <a:latin typeface="+mj-lt"/>
+              </a:rPr>
+              <a:t>It’</a:t>
+            </a:r>
+            <a:r>
+              <a:rPr lang="en-US" dirty="0" smtClean="0">
+                <a:latin typeface="+mj-lt"/>
+              </a:rPr>
+              <a:t>s </a:t>
+            </a:r>
+            <a:r>
+              <a:rPr lang="en-US" dirty="0">
+                <a:latin typeface="+mj-lt"/>
+              </a:rPr>
+              <a:t>a fast, small, and feature-rich JavaScript library. It makes things like HTML document traversal and manipulation, event handling, animation, and Ajax much simpler with an easy-to-use API that works across a multitude of browsers. With a combination of versatility and extensibility, jQuery has changed the way that millions of people write JavaScript.</a:t>
+            </a:r>
+            <a:endParaRPr lang="pl-PL" dirty="0">
+              <a:latin typeface="+mj-lt"/>
+            </a:endParaRPr>
+          </a:p>
+        </p:txBody>
+      </p:sp>
+      <p:pic>
+        <p:nvPicPr>
+          <p:cNvPr id="6" name="Picture 5"/>
+          <p:cNvPicPr>
+            <a:picLocks noChangeAspect="1"/>
+          </p:cNvPicPr>
+          <p:nvPr/>
+        </p:nvPicPr>
+        <p:blipFill>
+          <a:blip r:embed="rId2">
+            <a:extLst>
+              <a:ext uri="{28A0092B-C50C-407E-A947-70E740481C1C}">
+                <a14:useLocalDpi xmlns:a14="http://schemas.microsoft.com/office/drawing/2010/main" val="0"/>
+              </a:ext>
+            </a:extLst>
+          </a:blip>
+          <a:stretch>
+            <a:fillRect/>
+          </a:stretch>
+        </p:blipFill>
+        <p:spPr>
+          <a:xfrm>
+            <a:off x="4161183" y="5275668"/>
+            <a:ext cx="3564834" cy="1283340"/>
+          </a:xfrm>
+          <a:prstGeom prst="rect">
+            <a:avLst/>
+          </a:prstGeom>
+        </p:spPr>
+      </p:pic>
+    </p:spTree>
+    <p:extLst>
+      <p:ext uri="{BB962C8B-B14F-4D97-AF65-F5344CB8AC3E}">
+        <p14:creationId xmlns:p14="http://schemas.microsoft.com/office/powerpoint/2010/main" val="3268593158"/>
+      </p:ext>
+    </p:extLst>
+  </p:cSld>
+  <p:clrMapOvr>
+    <a:masterClrMapping/>
+  </p:clrMapOvr>
+</p:sld>
+</file>
+
+<file path=ppt/slides/slide6.xml><?xml version="1.0" encoding="utf-8"?>
+<p:sld xmlns:a="http://schemas.openxmlformats.org/drawingml/2006/main" xmlns:r="http://schemas.openxmlformats.org/officeDocument/2006/relationships" xmlns:p="http://schemas.openxmlformats.org/presentationml/2006/main">
+  <p:cSld>
+    <p:spTree>
+      <p:nvGrpSpPr>
+        <p:cNvPr id="1" name=""/>
+        <p:cNvGrpSpPr/>
+        <p:nvPr/>
+      </p:nvGrpSpPr>
+      <p:grpSpPr>
+        <a:xfrm>
+          <a:off x="0" y="0"/>
+          <a:ext cx="0" cy="0"/>
+          <a:chOff x="0" y="0"/>
+          <a:chExt cx="0" cy="0"/>
+        </a:xfrm>
+      </p:grpSpPr>
+      <p:sp>
+        <p:nvSpPr>
           <p:cNvPr id="2" name="Symbol zastępczy zawartości 1"/>
           <p:cNvSpPr>
             <a:spLocks noGrp="1"/>
@@ -4196,7 +5852,9 @@
         </p:nvSpPr>
         <p:spPr/>
         <p:txBody>
-          <a:bodyPr/>
+          <a:bodyPr>
+            <a:normAutofit/>
+          </a:bodyPr>
           <a:lstStyle/>
           <a:p>
             <a:pPr marL="0" indent="0">
@@ -4224,11 +5882,23 @@
             </a:r>
             <a:r>
               <a:rPr lang="pl-PL" dirty="0" err="1" smtClean="0"/>
+              <a:t>e.g</a:t>
+            </a:r>
+            <a:r>
+              <a:rPr lang="pl-PL" dirty="0" smtClean="0"/>
+              <a:t>. </a:t>
+            </a:r>
+            <a:r>
+              <a:rPr lang="pl-PL" dirty="0" err="1" smtClean="0"/>
               <a:t>jQuery</a:t>
             </a:r>
             <a:r>
               <a:rPr lang="pl-PL" dirty="0" smtClean="0"/>
-              <a:t> ?</a:t>
+              <a:t> </a:t>
+            </a:r>
+            <a:r>
+              <a:rPr lang="pl-PL" dirty="0" smtClean="0"/>
+              <a:t>?</a:t>
             </a:r>
           </a:p>
           <a:p>
@@ -4236,157 +5906,287 @@
               <a:buNone/>
             </a:pPr>
             <a:r>
-              <a:rPr lang="pl-PL" dirty="0" smtClean="0"/>
-              <a:t/>
-            </a:r>
-            <a:br>
-              <a:rPr lang="pl-PL" dirty="0" smtClean="0"/>
-            </a:br>
-            <a:r>
-              <a:rPr lang="pl-PL" dirty="0" err="1" smtClean="0"/>
+              <a:rPr lang="pl-PL" dirty="0" err="1" smtClean="0">
+                <a:latin typeface="+mj-lt"/>
+              </a:rPr>
               <a:t>Visit</a:t>
             </a:r>
             <a:r>
-              <a:rPr lang="pl-PL" dirty="0" smtClean="0"/>
+              <a:rPr lang="pl-PL" dirty="0" smtClean="0">
+                <a:latin typeface="+mj-lt"/>
+              </a:rPr>
+              <a:t> </a:t>
+            </a:r>
+            <a:r>
+              <a:rPr lang="pl-PL" dirty="0" smtClean="0">
+                <a:latin typeface="+mj-lt"/>
+              </a:rPr>
+              <a:t>the </a:t>
+            </a:r>
+            <a:r>
+              <a:rPr lang="pl-PL" dirty="0" err="1" smtClean="0">
+                <a:latin typeface="+mj-lt"/>
+              </a:rPr>
+              <a:t>website</a:t>
+            </a:r>
+            <a:r>
+              <a:rPr lang="pl-PL" dirty="0" smtClean="0">
+                <a:latin typeface="+mj-lt"/>
+              </a:rPr>
+              <a:t>, </a:t>
+            </a:r>
+            <a:r>
+              <a:rPr lang="pl-PL" dirty="0" err="1" smtClean="0">
+                <a:latin typeface="+mj-lt"/>
+              </a:rPr>
+              <a:t>click</a:t>
+            </a:r>
+            <a:r>
+              <a:rPr lang="pl-PL" dirty="0" smtClean="0">
+                <a:latin typeface="+mj-lt"/>
+              </a:rPr>
+              <a:t> </a:t>
+            </a:r>
+            <a:r>
+              <a:rPr lang="pl-PL" dirty="0" err="1" smtClean="0">
+                <a:latin typeface="+mj-lt"/>
+              </a:rPr>
+              <a:t>download</a:t>
+            </a:r>
+            <a:r>
+              <a:rPr lang="pl-PL" dirty="0" smtClean="0">
+                <a:latin typeface="+mj-lt"/>
+              </a:rPr>
               <a:t> the </a:t>
             </a:r>
             <a:r>
-              <a:rPr lang="pl-PL" dirty="0" err="1" smtClean="0"/>
-              <a:t>website</a:t>
-            </a:r>
-            <a:r>
-              <a:rPr lang="pl-PL" dirty="0" smtClean="0"/>
-              <a:t>, </a:t>
-            </a:r>
-            <a:r>
-              <a:rPr lang="pl-PL" dirty="0" err="1" smtClean="0"/>
-              <a:t>click</a:t>
-            </a:r>
-            <a:r>
-              <a:rPr lang="pl-PL" dirty="0" smtClean="0"/>
+              <a:rPr lang="pl-PL" dirty="0" err="1" smtClean="0">
+                <a:latin typeface="+mj-lt"/>
+              </a:rPr>
+              <a:t>package</a:t>
+            </a:r>
+            <a:r>
+              <a:rPr lang="pl-PL" dirty="0" smtClean="0">
+                <a:latin typeface="+mj-lt"/>
+              </a:rPr>
+              <a:t>, open the zip, </a:t>
+            </a:r>
+            <a:r>
+              <a:rPr lang="pl-PL" dirty="0" err="1" smtClean="0">
+                <a:latin typeface="+mj-lt"/>
+              </a:rPr>
+              <a:t>navigate</a:t>
+            </a:r>
+            <a:r>
+              <a:rPr lang="pl-PL" dirty="0" smtClean="0">
+                <a:latin typeface="+mj-lt"/>
+              </a:rPr>
+              <a:t> and </a:t>
+            </a:r>
+            <a:r>
+              <a:rPr lang="pl-PL" dirty="0" err="1" smtClean="0">
+                <a:latin typeface="+mj-lt"/>
+              </a:rPr>
+              <a:t>find</a:t>
+            </a:r>
+            <a:r>
+              <a:rPr lang="pl-PL" dirty="0" smtClean="0">
+                <a:latin typeface="+mj-lt"/>
+              </a:rPr>
+              <a:t> the file </a:t>
+            </a:r>
+            <a:r>
+              <a:rPr lang="pl-PL" dirty="0" err="1" smtClean="0">
+                <a:latin typeface="+mj-lt"/>
+              </a:rPr>
+              <a:t>that</a:t>
+            </a:r>
+            <a:r>
+              <a:rPr lang="pl-PL" dirty="0" smtClean="0">
+                <a:latin typeface="+mj-lt"/>
+              </a:rPr>
               <a:t> </a:t>
             </a:r>
             <a:r>
-              <a:rPr lang="pl-PL" dirty="0" err="1" smtClean="0"/>
-              <a:t>download</a:t>
-            </a:r>
-            <a:r>
-              <a:rPr lang="pl-PL" dirty="0" smtClean="0"/>
+              <a:rPr lang="pl-PL" dirty="0" err="1" smtClean="0">
+                <a:latin typeface="+mj-lt"/>
+              </a:rPr>
+              <a:t>you</a:t>
+            </a:r>
+            <a:r>
+              <a:rPr lang="pl-PL" dirty="0" smtClean="0">
+                <a:latin typeface="+mj-lt"/>
+              </a:rPr>
+              <a:t> want, </a:t>
+            </a:r>
+            <a:r>
+              <a:rPr lang="pl-PL" dirty="0" err="1" smtClean="0">
+                <a:latin typeface="+mj-lt"/>
+              </a:rPr>
+              <a:t>copy</a:t>
+            </a:r>
+            <a:r>
+              <a:rPr lang="pl-PL" dirty="0" smtClean="0">
+                <a:latin typeface="+mj-lt"/>
+              </a:rPr>
+              <a:t> </a:t>
+            </a:r>
+            <a:r>
+              <a:rPr lang="pl-PL" dirty="0" err="1" smtClean="0">
+                <a:latin typeface="+mj-lt"/>
+              </a:rPr>
+              <a:t>it</a:t>
+            </a:r>
+            <a:r>
+              <a:rPr lang="pl-PL" dirty="0" smtClean="0">
+                <a:latin typeface="+mj-lt"/>
+              </a:rPr>
+              <a:t> </a:t>
+            </a:r>
+            <a:r>
+              <a:rPr lang="pl-PL" dirty="0" err="1" smtClean="0">
+                <a:latin typeface="+mj-lt"/>
+              </a:rPr>
+              <a:t>into</a:t>
+            </a:r>
+            <a:r>
+              <a:rPr lang="pl-PL" dirty="0" smtClean="0">
+                <a:latin typeface="+mj-lt"/>
+              </a:rPr>
               <a:t> the </a:t>
             </a:r>
             <a:r>
-              <a:rPr lang="pl-PL" dirty="0" err="1" smtClean="0"/>
-              <a:t>package</a:t>
-            </a:r>
-            <a:r>
-              <a:rPr lang="pl-PL" dirty="0" smtClean="0"/>
-              <a:t>, open the zip, </a:t>
-            </a:r>
-            <a:r>
-              <a:rPr lang="pl-PL" dirty="0" err="1" smtClean="0"/>
-              <a:t>navigate</a:t>
-            </a:r>
-            <a:r>
-              <a:rPr lang="pl-PL" dirty="0" smtClean="0"/>
-              <a:t> and </a:t>
-            </a:r>
-            <a:r>
-              <a:rPr lang="pl-PL" dirty="0" err="1" smtClean="0"/>
-              <a:t>find</a:t>
-            </a:r>
-            <a:r>
-              <a:rPr lang="pl-PL" dirty="0" smtClean="0"/>
-              <a:t> the file </a:t>
-            </a:r>
-            <a:r>
-              <a:rPr lang="pl-PL" dirty="0" err="1" smtClean="0"/>
-              <a:t>that</a:t>
-            </a:r>
-            <a:r>
-              <a:rPr lang="pl-PL" dirty="0" smtClean="0"/>
+              <a:rPr lang="pl-PL" dirty="0" err="1" smtClean="0">
+                <a:latin typeface="+mj-lt"/>
+              </a:rPr>
+              <a:t>project</a:t>
+            </a:r>
+            <a:r>
+              <a:rPr lang="pl-PL" dirty="0" smtClean="0">
+                <a:latin typeface="+mj-lt"/>
+              </a:rPr>
               <a:t> </a:t>
             </a:r>
             <a:r>
-              <a:rPr lang="pl-PL" dirty="0" err="1" smtClean="0"/>
-              <a:t>you</a:t>
-            </a:r>
-            <a:r>
-              <a:rPr lang="pl-PL" dirty="0" smtClean="0"/>
-              <a:t> want, </a:t>
-            </a:r>
-            <a:r>
-              <a:rPr lang="pl-PL" dirty="0" err="1" smtClean="0"/>
-              <a:t>copy</a:t>
-            </a:r>
-            <a:r>
-              <a:rPr lang="pl-PL" dirty="0" smtClean="0"/>
+              <a:rPr lang="pl-PL" dirty="0" smtClean="0">
+                <a:latin typeface="+mj-lt"/>
+              </a:rPr>
+              <a:t>?</a:t>
+            </a:r>
+          </a:p>
+          <a:p>
+            <a:pPr marL="0" indent="0">
+              <a:buNone/>
+            </a:pPr>
+            <a:endParaRPr lang="pl-PL" b="1" dirty="0">
+              <a:latin typeface="+mj-lt"/>
+            </a:endParaRPr>
+          </a:p>
+          <a:p>
+            <a:pPr marL="0" indent="0">
+              <a:buNone/>
+            </a:pPr>
+            <a:r>
+              <a:rPr lang="pl-PL" dirty="0" err="1" smtClean="0">
+                <a:latin typeface="Calibri (Body)"/>
+              </a:rPr>
+              <a:t>Can</a:t>
+            </a:r>
+            <a:r>
+              <a:rPr lang="pl-PL" dirty="0" smtClean="0">
+                <a:latin typeface="Calibri (Body)"/>
+              </a:rPr>
+              <a:t> I do </a:t>
+            </a:r>
+            <a:r>
+              <a:rPr lang="pl-PL" dirty="0" err="1" smtClean="0">
+                <a:latin typeface="Calibri (Body)"/>
+              </a:rPr>
+              <a:t>it</a:t>
+            </a:r>
+            <a:r>
+              <a:rPr lang="pl-PL" dirty="0" smtClean="0">
+                <a:latin typeface="Calibri (Body)"/>
+              </a:rPr>
               <a:t> </a:t>
             </a:r>
             <a:r>
-              <a:rPr lang="pl-PL" dirty="0" err="1" smtClean="0"/>
-              <a:t>it</a:t>
-            </a:r>
-            <a:r>
-              <a:rPr lang="pl-PL" dirty="0" smtClean="0"/>
+              <a:rPr lang="pl-PL" dirty="0" err="1" smtClean="0">
+                <a:latin typeface="Calibri (Body)"/>
+              </a:rPr>
+              <a:t>faster</a:t>
+            </a:r>
+            <a:r>
+              <a:rPr lang="pl-PL" dirty="0" smtClean="0">
+                <a:latin typeface="Calibri (Body)"/>
+              </a:rPr>
+              <a:t> ? </a:t>
+            </a:r>
+            <a:r>
+              <a:rPr lang="pl-PL" dirty="0" err="1" smtClean="0">
+                <a:latin typeface="Calibri (Body)"/>
+              </a:rPr>
+              <a:t>Yes</a:t>
+            </a:r>
+            <a:r>
+              <a:rPr lang="pl-PL" dirty="0" smtClean="0">
+                <a:latin typeface="Calibri (Body)"/>
+              </a:rPr>
+              <a:t>!</a:t>
+            </a:r>
+            <a:endParaRPr lang="pl-PL" dirty="0" smtClean="0">
+              <a:latin typeface="Calibri (Body)"/>
+            </a:endParaRPr>
+          </a:p>
+          <a:p>
+            <a:pPr marL="0" indent="0">
+              <a:buNone/>
+            </a:pPr>
+            <a:r>
+              <a:rPr lang="pl-PL" dirty="0" err="1" smtClean="0">
+                <a:latin typeface="+mj-lt"/>
+              </a:rPr>
+              <a:t>bower</a:t>
+            </a:r>
+            <a:r>
+              <a:rPr lang="pl-PL" dirty="0" smtClean="0">
+                <a:latin typeface="+mj-lt"/>
+              </a:rPr>
               <a:t> </a:t>
             </a:r>
             <a:r>
-              <a:rPr lang="pl-PL" dirty="0" err="1" smtClean="0"/>
-              <a:t>into</a:t>
-            </a:r>
-            <a:r>
-              <a:rPr lang="pl-PL" dirty="0" smtClean="0"/>
-              <a:t> the </a:t>
-            </a:r>
-            <a:r>
-              <a:rPr lang="pl-PL" dirty="0" err="1" smtClean="0"/>
-              <a:t>project</a:t>
-            </a:r>
-            <a:r>
-              <a:rPr lang="pl-PL" dirty="0" smtClean="0"/>
-              <a:t> ?</a:t>
-            </a:r>
-            <a:br>
-              <a:rPr lang="pl-PL" dirty="0" smtClean="0"/>
-            </a:br>
-            <a:endParaRPr lang="pl-PL" dirty="0" smtClean="0"/>
-          </a:p>
-          <a:p>
-            <a:pPr marL="0" indent="0">
-              <a:buNone/>
-            </a:pPr>
-            <a:r>
-              <a:rPr lang="pl-PL" dirty="0" smtClean="0"/>
-              <a:t>The </a:t>
-            </a:r>
-            <a:r>
-              <a:rPr lang="pl-PL" dirty="0" err="1" smtClean="0"/>
-              <a:t>answer</a:t>
-            </a:r>
-            <a:r>
-              <a:rPr lang="pl-PL" dirty="0"/>
+              <a:rPr lang="pl-PL" dirty="0" err="1" smtClean="0">
+                <a:latin typeface="+mj-lt"/>
+              </a:rPr>
+              <a:t>install</a:t>
+            </a:r>
+            <a:r>
+              <a:rPr lang="pl-PL" dirty="0" smtClean="0">
+                <a:latin typeface="+mj-lt"/>
+              </a:rPr>
               <a:t> </a:t>
             </a:r>
             <a:r>
-              <a:rPr lang="pl-PL" dirty="0" err="1" smtClean="0"/>
-              <a:t>is</a:t>
-            </a:r>
-            <a:r>
-              <a:rPr lang="pl-PL" b="1" dirty="0" smtClean="0"/>
-              <a:t> No!</a:t>
-            </a:r>
-          </a:p>
-          <a:p>
-            <a:pPr marL="0" indent="0">
-              <a:buNone/>
-            </a:pPr>
-            <a:endParaRPr lang="pl-PL" b="1" dirty="0"/>
-          </a:p>
-          <a:p>
-            <a:pPr marL="0" indent="0">
-              <a:buNone/>
-            </a:pPr>
-            <a:endParaRPr lang="pl-PL" b="1" dirty="0" smtClean="0"/>
+              <a:rPr lang="pl-PL" dirty="0" err="1" smtClean="0">
+                <a:latin typeface="+mj-lt"/>
+              </a:rPr>
+              <a:t>jquery</a:t>
+            </a:r>
+            <a:r>
+              <a:rPr lang="pl-PL" dirty="0" smtClean="0">
+                <a:latin typeface="+mj-lt"/>
+              </a:rPr>
+              <a:t> –</a:t>
+            </a:r>
+            <a:r>
+              <a:rPr lang="pl-PL" dirty="0" err="1" smtClean="0">
+                <a:latin typeface="+mj-lt"/>
+              </a:rPr>
+              <a:t>save</a:t>
+            </a:r>
+            <a:endParaRPr lang="pl-PL" dirty="0" smtClean="0">
+              <a:latin typeface="+mj-lt"/>
+            </a:endParaRPr>
           </a:p>
         </p:txBody>
       </p:sp>
@@ -4442,7 +6242,7 @@
 </p:sld>
 </file>
 
-<file path=ppt/slides/slide6.xml><?xml version="1.0" encoding="utf-8"?>
+<file path=ppt/slides/slide7.xml><?xml version="1.0" encoding="utf-8"?>
 <p:sld xmlns:a="http://schemas.openxmlformats.org/drawingml/2006/main" xmlns:r="http://schemas.openxmlformats.org/officeDocument/2006/relationships" xmlns:p="http://schemas.openxmlformats.org/presentationml/2006/main">
   <p:cSld>
     <p:spTree>
@@ -4621,7 +6421,7 @@
 </p:sld>
 </file>
 
-<file path=ppt/slides/slide7.xml><?xml version="1.0" encoding="utf-8"?>
+<file path=ppt/slides/slide8.xml><?xml version="1.0" encoding="utf-8"?>
 <p:sld xmlns:a="http://schemas.openxmlformats.org/drawingml/2006/main" xmlns:r="http://schemas.openxmlformats.org/officeDocument/2006/relationships" xmlns:p="http://schemas.openxmlformats.org/presentationml/2006/main">
   <p:cSld>
     <p:spTree>
@@ -4724,52 +6524,6 @@
               <a:t>.</a:t>
             </a:r>
             <a:endParaRPr lang="pl-PL" dirty="0" smtClean="0">
-              <a:latin typeface="+mj-lt"/>
-            </a:endParaRPr>
-          </a:p>
-          <a:p>
-            <a:pPr marL="0" indent="0">
-              <a:buNone/>
-            </a:pPr>
-            <a:endParaRPr lang="pl-PL" dirty="0">
-              <a:latin typeface="+mj-lt"/>
-            </a:endParaRPr>
-          </a:p>
-          <a:p>
-            <a:pPr marL="0" indent="0">
-              <a:buNone/>
-            </a:pPr>
-            <a:r>
-              <a:rPr lang="pl-PL" dirty="0" err="1">
-                <a:latin typeface="+mj-lt"/>
-              </a:rPr>
-              <a:t>npm</a:t>
-            </a:r>
-            <a:r>
-              <a:rPr lang="pl-PL" dirty="0">
-                <a:latin typeface="+mj-lt"/>
-              </a:rPr>
-              <a:t> </a:t>
-            </a:r>
-            <a:r>
-              <a:rPr lang="pl-PL" dirty="0" err="1">
-                <a:latin typeface="+mj-lt"/>
-              </a:rPr>
-              <a:t>install</a:t>
-            </a:r>
-            <a:r>
-              <a:rPr lang="pl-PL" dirty="0">
-                <a:latin typeface="+mj-lt"/>
-              </a:rPr>
-              <a:t> -g </a:t>
-            </a:r>
-            <a:r>
-              <a:rPr lang="pl-PL" dirty="0" err="1">
-                <a:latin typeface="+mj-lt"/>
-              </a:rPr>
-              <a:t>bower</a:t>
-            </a:r>
-            <a:endParaRPr lang="pl-PL" dirty="0">
               <a:latin typeface="+mj-lt"/>
             </a:endParaRPr>
           </a:p>
@@ -4821,8 +6575,8 @@
         </p:blipFill>
         <p:spPr bwMode="auto">
           <a:xfrm>
-            <a:off x="3035807" y="264489"/>
-            <a:ext cx="1623949" cy="1426199"/>
+            <a:off x="2744259" y="365125"/>
+            <a:ext cx="1388879" cy="1219754"/>
           </a:xfrm>
           <a:prstGeom prst="rect">
             <a:avLst/>
@@ -4852,7 +6606,7 @@
 </p:sld>
 </file>
 
-<file path=ppt/slides/slide8.xml><?xml version="1.0" encoding="utf-8"?>
+<file path=ppt/slides/slide9.xml><?xml version="1.0" encoding="utf-8"?>
 <p:sld xmlns:a="http://schemas.openxmlformats.org/drawingml/2006/main" xmlns:r="http://schemas.openxmlformats.org/officeDocument/2006/relationships" xmlns:p="http://schemas.openxmlformats.org/presentationml/2006/main">
   <p:cSld>
     <p:spTree>
@@ -4884,6 +6638,10 @@
           <a:bodyPr/>
           <a:lstStyle/>
           <a:p>
+            <a:pPr>
+              <a:buFont typeface="Wingdings" panose="05000000000000000000" pitchFamily="2" charset="2"/>
+              <a:buChar char="§"/>
+            </a:pPr>
             <a:r>
               <a:rPr lang="pl-PL" dirty="0" err="1" smtClean="0"/>
               <a:t>Compiling</a:t>
@@ -4907,6 +6665,10 @@
             <a:endParaRPr lang="pl-PL" dirty="0" smtClean="0"/>
           </a:p>
           <a:p>
+            <a:pPr>
+              <a:buFont typeface="Wingdings" panose="05000000000000000000" pitchFamily="2" charset="2"/>
+              <a:buChar char="§"/>
+            </a:pPr>
             <a:r>
               <a:rPr lang="pl-PL" dirty="0" smtClean="0"/>
               <a:t>Using </a:t>
@@ -4950,6 +6712,10 @@
             <a:endParaRPr lang="pl-PL" dirty="0" smtClean="0"/>
           </a:p>
           <a:p>
+            <a:pPr>
+              <a:buFont typeface="Wingdings" panose="05000000000000000000" pitchFamily="2" charset="2"/>
+              <a:buChar char="§"/>
+            </a:pPr>
             <a:r>
               <a:rPr lang="pl-PL" dirty="0" err="1" smtClean="0"/>
               <a:t>Concating</a:t>
@@ -4973,6 +6739,10 @@
             <a:endParaRPr lang="pl-PL" dirty="0" smtClean="0"/>
           </a:p>
           <a:p>
+            <a:pPr>
+              <a:buFont typeface="Wingdings" panose="05000000000000000000" pitchFamily="2" charset="2"/>
+              <a:buChar char="§"/>
+            </a:pPr>
             <a:r>
               <a:rPr lang="pl-PL" dirty="0" err="1" smtClean="0"/>
               <a:t>Running</a:t>
@@ -4984,6 +6754,18 @@
             <a:r>
               <a:rPr lang="pl-PL" dirty="0" err="1" smtClean="0"/>
               <a:t>tests</a:t>
+            </a:r>
+            <a:r>
+              <a:rPr lang="pl-PL" dirty="0" smtClean="0"/>
+              <a:t> (</a:t>
+            </a:r>
+            <a:r>
+              <a:rPr lang="pl-PL" dirty="0" err="1" smtClean="0"/>
+              <a:t>Jasmine</a:t>
+            </a:r>
+            <a:r>
+              <a:rPr lang="pl-PL" dirty="0" smtClean="0"/>
+              <a:t>, Karma)</a:t>
             </a:r>
             <a:endParaRPr lang="pl-PL" dirty="0"/>
           </a:p>
@@ -5051,7 +6833,7 @@
         </p:blipFill>
         <p:spPr bwMode="auto">
           <a:xfrm>
-            <a:off x="9022206" y="685329"/>
+            <a:off x="6385024" y="3335764"/>
             <a:ext cx="2599818" cy="935359"/>
           </a:xfrm>
           <a:prstGeom prst="rect">
@@ -5091,7 +6873,7 @@
         </p:blipFill>
         <p:spPr>
           <a:xfrm>
-            <a:off x="9022206" y="1825625"/>
+            <a:off x="6385024" y="4644283"/>
             <a:ext cx="2599818" cy="1159519"/>
           </a:xfrm>
           <a:prstGeom prst="rect">
@@ -5103,155 +6885,6 @@
     <p:extLst>
       <p:ext uri="{BB962C8B-B14F-4D97-AF65-F5344CB8AC3E}">
         <p14:creationId xmlns:p14="http://schemas.microsoft.com/office/powerpoint/2010/main" val="4069683680"/>
-      </p:ext>
-    </p:extLst>
-  </p:cSld>
-  <p:clrMapOvr>
-    <a:masterClrMapping/>
-  </p:clrMapOvr>
-</p:sld>
-</file>
-
-<file path=ppt/slides/slide9.xml><?xml version="1.0" encoding="utf-8"?>
-<p:sld xmlns:a="http://schemas.openxmlformats.org/drawingml/2006/main" xmlns:r="http://schemas.openxmlformats.org/officeDocument/2006/relationships" xmlns:p="http://schemas.openxmlformats.org/presentationml/2006/main">
-  <p:cSld>
-    <p:spTree>
-      <p:nvGrpSpPr>
-        <p:cNvPr id="1" name=""/>
-        <p:cNvGrpSpPr/>
-        <p:nvPr/>
-      </p:nvGrpSpPr>
-      <p:grpSpPr>
-        <a:xfrm>
-          <a:off x="0" y="0"/>
-          <a:ext cx="0" cy="0"/>
-          <a:chOff x="0" y="0"/>
-          <a:chExt cx="0" cy="0"/>
-        </a:xfrm>
-      </p:grpSpPr>
-      <p:sp>
-        <p:nvSpPr>
-          <p:cNvPr id="2" name="Symbol zastępczy zawartości 1"/>
-          <p:cNvSpPr>
-            <a:spLocks noGrp="1"/>
-          </p:cNvSpPr>
-          <p:nvPr>
-            <p:ph idx="1"/>
-          </p:nvPr>
-        </p:nvSpPr>
-        <p:spPr/>
-        <p:txBody>
-          <a:bodyPr/>
-          <a:lstStyle/>
-          <a:p>
-            <a:pPr marL="0" indent="0">
-              <a:buNone/>
-            </a:pPr>
-            <a:r>
-              <a:rPr lang="pl-PL" dirty="0" smtClean="0"/>
-              <a:t>The </a:t>
-            </a:r>
-            <a:r>
-              <a:rPr lang="pl-PL" dirty="0" err="1" smtClean="0"/>
-              <a:t>JavaScript</a:t>
-            </a:r>
-            <a:r>
-              <a:rPr lang="pl-PL" dirty="0" smtClean="0"/>
-              <a:t> </a:t>
-            </a:r>
-            <a:r>
-              <a:rPr lang="pl-PL" dirty="0" err="1" smtClean="0"/>
-              <a:t>task</a:t>
-            </a:r>
-            <a:r>
-              <a:rPr lang="pl-PL" dirty="0" smtClean="0"/>
-              <a:t> </a:t>
-            </a:r>
-            <a:r>
-              <a:rPr lang="pl-PL" dirty="0" err="1" smtClean="0"/>
-              <a:t>runner</a:t>
-            </a:r>
-            <a:endParaRPr lang="pl-PL" dirty="0" smtClean="0"/>
-          </a:p>
-          <a:p>
-            <a:pPr marL="0" indent="0">
-              <a:buNone/>
-            </a:pPr>
-            <a:r>
-              <a:rPr lang="en-US" dirty="0">
-                <a:latin typeface="+mj-lt"/>
-              </a:rPr>
-              <a:t>In one word: automation. The less work you have to do when performing repetitive tasks like </a:t>
-            </a:r>
-            <a:r>
-              <a:rPr lang="en-US" dirty="0" err="1">
-                <a:latin typeface="+mj-lt"/>
-              </a:rPr>
-              <a:t>minification</a:t>
-            </a:r>
-            <a:r>
-              <a:rPr lang="en-US" dirty="0">
-                <a:latin typeface="+mj-lt"/>
-              </a:rPr>
-              <a:t>, compilation, unit testing, </a:t>
-            </a:r>
-            <a:r>
-              <a:rPr lang="en-US" dirty="0" err="1">
-                <a:latin typeface="+mj-lt"/>
-              </a:rPr>
-              <a:t>linting</a:t>
-            </a:r>
-            <a:r>
-              <a:rPr lang="en-US" dirty="0">
-                <a:latin typeface="+mj-lt"/>
-              </a:rPr>
-              <a:t>, </a:t>
-            </a:r>
-            <a:r>
-              <a:rPr lang="en-US" dirty="0" err="1">
-                <a:latin typeface="+mj-lt"/>
-              </a:rPr>
-              <a:t>etc</a:t>
-            </a:r>
-            <a:r>
-              <a:rPr lang="en-US" dirty="0">
-                <a:latin typeface="+mj-lt"/>
-              </a:rPr>
-              <a:t>, the easier your job becomes. After you've configured it, a task runner can do most of that mundane work for you—and your team—with basically zero effort.</a:t>
-            </a:r>
-            <a:endParaRPr lang="pl-PL" dirty="0">
-              <a:latin typeface="+mj-lt"/>
-            </a:endParaRPr>
-          </a:p>
-        </p:txBody>
-      </p:sp>
-      <p:sp>
-        <p:nvSpPr>
-          <p:cNvPr id="3" name="Tytuł 2"/>
-          <p:cNvSpPr>
-            <a:spLocks noGrp="1"/>
-          </p:cNvSpPr>
-          <p:nvPr>
-            <p:ph type="title"/>
-          </p:nvPr>
-        </p:nvSpPr>
-        <p:spPr/>
-        <p:txBody>
-          <a:bodyPr/>
-          <a:lstStyle/>
-          <a:p>
-            <a:r>
-              <a:rPr lang="pl-PL" dirty="0" smtClean="0"/>
-              <a:t>Grunt</a:t>
-            </a:r>
-            <a:endParaRPr lang="pl-PL" dirty="0"/>
-          </a:p>
-        </p:txBody>
-      </p:sp>
-    </p:spTree>
-    <p:extLst>
-      <p:ext uri="{BB962C8B-B14F-4D97-AF65-F5344CB8AC3E}">
-        <p14:creationId xmlns:p14="http://schemas.microsoft.com/office/powerpoint/2010/main" val="3045395640"/>
       </p:ext>
     </p:extLst>
   </p:cSld>

--- a/doc/Presentation_Front_End.pptx
+++ b/doc/Presentation_Front_End.pptx
@@ -19,8 +19,9 @@
     <p:sldId id="268" r:id="rId13"/>
     <p:sldId id="267" r:id="rId14"/>
     <p:sldId id="270" r:id="rId15"/>
-    <p:sldId id="271" r:id="rId16"/>
-    <p:sldId id="272" r:id="rId17"/>
+    <p:sldId id="274" r:id="rId16"/>
+    <p:sldId id="271" r:id="rId17"/>
+    <p:sldId id="272" r:id="rId18"/>
   </p:sldIdLst>
   <p:sldSz cx="12192000" cy="6858000"/>
   <p:notesSz cx="6858000" cy="9144000"/>
@@ -4724,6 +4725,115 @@
           <a:bodyPr/>
           <a:lstStyle/>
           <a:p>
+            <a:r>
+              <a:rPr lang="pl-PL" dirty="0" err="1" smtClean="0"/>
+              <a:t>WebStorm</a:t>
+            </a:r>
+            <a:endParaRPr lang="pl-PL" dirty="0" smtClean="0"/>
+          </a:p>
+          <a:p>
+            <a:r>
+              <a:rPr lang="pl-PL" dirty="0" err="1" smtClean="0"/>
+              <a:t>Brackets</a:t>
+            </a:r>
+            <a:endParaRPr lang="pl-PL" dirty="0" smtClean="0"/>
+          </a:p>
+          <a:p>
+            <a:r>
+              <a:rPr lang="pl-PL" dirty="0" err="1"/>
+              <a:t>Sublime</a:t>
+            </a:r>
+            <a:r>
+              <a:rPr lang="pl-PL" dirty="0"/>
+              <a:t> </a:t>
+            </a:r>
+            <a:r>
+              <a:rPr lang="pl-PL" dirty="0" err="1" smtClean="0"/>
+              <a:t>Text</a:t>
+            </a:r>
+            <a:endParaRPr lang="pl-PL" dirty="0" smtClean="0"/>
+          </a:p>
+          <a:p>
+            <a:r>
+              <a:rPr lang="pl-PL" dirty="0" err="1" smtClean="0"/>
+              <a:t>Aptana</a:t>
+            </a:r>
+            <a:r>
+              <a:rPr lang="pl-PL" dirty="0" smtClean="0"/>
+              <a:t> Studio</a:t>
+            </a:r>
+            <a:endParaRPr lang="pl-PL" dirty="0"/>
+          </a:p>
+        </p:txBody>
+      </p:sp>
+      <p:sp>
+        <p:nvSpPr>
+          <p:cNvPr id="3" name="Title 2"/>
+          <p:cNvSpPr>
+            <a:spLocks noGrp="1"/>
+          </p:cNvSpPr>
+          <p:nvPr>
+            <p:ph type="title"/>
+          </p:nvPr>
+        </p:nvSpPr>
+        <p:spPr/>
+        <p:txBody>
+          <a:bodyPr/>
+          <a:lstStyle/>
+          <a:p>
+            <a:r>
+              <a:rPr lang="pl-PL" dirty="0" smtClean="0"/>
+              <a:t>IDE for Front-End development</a:t>
+            </a:r>
+            <a:endParaRPr lang="pl-PL" dirty="0"/>
+          </a:p>
+        </p:txBody>
+      </p:sp>
+    </p:spTree>
+    <p:extLst>
+      <p:ext uri="{BB962C8B-B14F-4D97-AF65-F5344CB8AC3E}">
+        <p14:creationId xmlns:p14="http://schemas.microsoft.com/office/powerpoint/2010/main" val="4060079758"/>
+      </p:ext>
+    </p:extLst>
+  </p:cSld>
+  <p:clrMapOvr>
+    <a:masterClrMapping/>
+  </p:clrMapOvr>
+</p:sld>
+</file>
+
+<file path=ppt/slides/slide16.xml><?xml version="1.0" encoding="utf-8"?>
+<p:sld xmlns:a="http://schemas.openxmlformats.org/drawingml/2006/main" xmlns:r="http://schemas.openxmlformats.org/officeDocument/2006/relationships" xmlns:p="http://schemas.openxmlformats.org/presentationml/2006/main">
+  <p:cSld>
+    <p:spTree>
+      <p:nvGrpSpPr>
+        <p:cNvPr id="1" name=""/>
+        <p:cNvGrpSpPr/>
+        <p:nvPr/>
+      </p:nvGrpSpPr>
+      <p:grpSpPr>
+        <a:xfrm>
+          <a:off x="0" y="0"/>
+          <a:ext cx="0" cy="0"/>
+          <a:chOff x="0" y="0"/>
+          <a:chExt cx="0" cy="0"/>
+        </a:xfrm>
+      </p:grpSpPr>
+      <p:sp>
+        <p:nvSpPr>
+          <p:cNvPr id="2" name="Content Placeholder 1"/>
+          <p:cNvSpPr>
+            <a:spLocks noGrp="1"/>
+          </p:cNvSpPr>
+          <p:nvPr>
+            <p:ph idx="1"/>
+          </p:nvPr>
+        </p:nvSpPr>
+        <p:spPr/>
+        <p:txBody>
+          <a:bodyPr/>
+          <a:lstStyle/>
+          <a:p>
             <a:pPr marL="0" indent="0">
               <a:buNone/>
             </a:pPr>
@@ -4783,7 +4893,7 @@
 </p:sld>
 </file>
 
-<file path=ppt/slides/slide16.xml><?xml version="1.0" encoding="utf-8"?>
+<file path=ppt/slides/slide17.xml><?xml version="1.0" encoding="utf-8"?>
 <p:sld xmlns:a="http://schemas.openxmlformats.org/drawingml/2006/main" xmlns:r="http://schemas.openxmlformats.org/officeDocument/2006/relationships" xmlns:p="http://schemas.openxmlformats.org/presentationml/2006/main">
   <p:cSld>
     <p:spTree>
@@ -4874,7 +4984,7 @@
         <p:spPr/>
         <p:txBody>
           <a:bodyPr>
-            <a:normAutofit lnSpcReduction="10000"/>
+            <a:normAutofit fontScale="92500" lnSpcReduction="20000"/>
           </a:bodyPr>
           <a:lstStyle/>
           <a:p>
@@ -4988,10 +5098,20 @@
               <a:t> </a:t>
             </a:r>
             <a:r>
-              <a:rPr lang="pl-PL" dirty="0" err="1"/>
+              <a:rPr lang="pl-PL" dirty="0" err="1" smtClean="0"/>
               <a:t>standards</a:t>
             </a:r>
             <a:endParaRPr lang="pl-PL" dirty="0" smtClean="0"/>
+          </a:p>
+          <a:p>
+            <a:r>
+              <a:rPr lang="pl-PL" dirty="0"/>
+              <a:t>IDE for </a:t>
+            </a:r>
+            <a:r>
+              <a:rPr lang="pl-PL" dirty="0" smtClean="0"/>
+              <a:t>Front-End development</a:t>
+            </a:r>
           </a:p>
           <a:p>
             <a:r>

--- a/doc/Presentation_Front_End.pptx
+++ b/doc/Presentation_Front_End.pptx
@@ -20,8 +20,7 @@
     <p:sldId id="267" r:id="rId14"/>
     <p:sldId id="270" r:id="rId15"/>
     <p:sldId id="274" r:id="rId16"/>
-    <p:sldId id="271" r:id="rId17"/>
-    <p:sldId id="272" r:id="rId18"/>
+    <p:sldId id="272" r:id="rId17"/>
   </p:sldIdLst>
   <p:sldSz cx="12192000" cy="6858000"/>
   <p:notesSz cx="6858000" cy="9144000"/>
@@ -3533,11 +3532,7 @@
           <a:p>
             <a:r>
               <a:rPr lang="pl-PL" dirty="0" smtClean="0"/>
-              <a:t>Front-End </a:t>
-            </a:r>
-            <a:r>
-              <a:rPr lang="pl-PL" dirty="0" smtClean="0"/>
-              <a:t>Development</a:t>
+              <a:t>Front-End Development</a:t>
             </a:r>
             <a:endParaRPr lang="en-US" dirty="0"/>
           </a:p>
@@ -3565,11 +3560,7 @@
           <a:p>
             <a:r>
               <a:rPr lang="pl-PL" dirty="0" smtClean="0"/>
-              <a:t>Artur </a:t>
-            </a:r>
-            <a:r>
-              <a:rPr lang="pl-PL" dirty="0" smtClean="0"/>
-              <a:t>Stępień</a:t>
+              <a:t>Artur Stępień</a:t>
             </a:r>
           </a:p>
         </p:txBody>
@@ -4762,6 +4753,12 @@
               <a:rPr lang="pl-PL" dirty="0" smtClean="0"/>
               <a:t> Studio</a:t>
             </a:r>
+          </a:p>
+          <a:p>
+            <a:r>
+              <a:rPr lang="pl-PL" dirty="0" err="1" smtClean="0"/>
+              <a:t>NetBeans</a:t>
+            </a:r>
             <a:endParaRPr lang="pl-PL" dirty="0"/>
           </a:p>
         </p:txBody>
@@ -4803,97 +4800,6 @@
 </file>
 
 <file path=ppt/slides/slide16.xml><?xml version="1.0" encoding="utf-8"?>
-<p:sld xmlns:a="http://schemas.openxmlformats.org/drawingml/2006/main" xmlns:r="http://schemas.openxmlformats.org/officeDocument/2006/relationships" xmlns:p="http://schemas.openxmlformats.org/presentationml/2006/main">
-  <p:cSld>
-    <p:spTree>
-      <p:nvGrpSpPr>
-        <p:cNvPr id="1" name=""/>
-        <p:cNvGrpSpPr/>
-        <p:nvPr/>
-      </p:nvGrpSpPr>
-      <p:grpSpPr>
-        <a:xfrm>
-          <a:off x="0" y="0"/>
-          <a:ext cx="0" cy="0"/>
-          <a:chOff x="0" y="0"/>
-          <a:chExt cx="0" cy="0"/>
-        </a:xfrm>
-      </p:grpSpPr>
-      <p:sp>
-        <p:nvSpPr>
-          <p:cNvPr id="2" name="Content Placeholder 1"/>
-          <p:cNvSpPr>
-            <a:spLocks noGrp="1"/>
-          </p:cNvSpPr>
-          <p:nvPr>
-            <p:ph idx="1"/>
-          </p:nvPr>
-        </p:nvSpPr>
-        <p:spPr/>
-        <p:txBody>
-          <a:bodyPr/>
-          <a:lstStyle/>
-          <a:p>
-            <a:pPr marL="0" indent="0">
-              <a:buNone/>
-            </a:pPr>
-            <a:r>
-              <a:rPr lang="pl-PL" dirty="0" smtClean="0">
-                <a:latin typeface="+mj-lt"/>
-              </a:rPr>
-              <a:t>DEMO</a:t>
-            </a:r>
-            <a:endParaRPr lang="pl-PL" dirty="0">
-              <a:latin typeface="+mj-lt"/>
-            </a:endParaRPr>
-          </a:p>
-        </p:txBody>
-      </p:sp>
-      <p:sp>
-        <p:nvSpPr>
-          <p:cNvPr id="3" name="Title 2"/>
-          <p:cNvSpPr>
-            <a:spLocks noGrp="1"/>
-          </p:cNvSpPr>
-          <p:nvPr>
-            <p:ph type="title"/>
-          </p:nvPr>
-        </p:nvSpPr>
-        <p:spPr/>
-        <p:txBody>
-          <a:bodyPr/>
-          <a:lstStyle/>
-          <a:p>
-            <a:r>
-              <a:rPr lang="pl-PL" dirty="0" err="1" smtClean="0"/>
-              <a:t>Overall</a:t>
-            </a:r>
-            <a:r>
-              <a:rPr lang="pl-PL" dirty="0" smtClean="0"/>
-              <a:t> </a:t>
-            </a:r>
-            <a:r>
-              <a:rPr lang="pl-PL" dirty="0" err="1" smtClean="0"/>
-              <a:t>architecture</a:t>
-            </a:r>
-            <a:endParaRPr lang="pl-PL" dirty="0"/>
-          </a:p>
-        </p:txBody>
-      </p:sp>
-    </p:spTree>
-    <p:extLst>
-      <p:ext uri="{BB962C8B-B14F-4D97-AF65-F5344CB8AC3E}">
-        <p14:creationId xmlns:p14="http://schemas.microsoft.com/office/powerpoint/2010/main" val="2001063738"/>
-      </p:ext>
-    </p:extLst>
-  </p:cSld>
-  <p:clrMapOvr>
-    <a:masterClrMapping/>
-  </p:clrMapOvr>
-</p:sld>
-</file>
-
-<file path=ppt/slides/slide17.xml><?xml version="1.0" encoding="utf-8"?>
 <p:sld xmlns:a="http://schemas.openxmlformats.org/drawingml/2006/main" xmlns:r="http://schemas.openxmlformats.org/officeDocument/2006/relationships" xmlns:p="http://schemas.openxmlformats.org/presentationml/2006/main">
   <p:cSld>
     <p:spTree>
@@ -6014,52 +5920,138 @@
             </a:r>
             <a:r>
               <a:rPr lang="pl-PL" dirty="0" smtClean="0"/>
+              <a:t> ?</a:t>
+            </a:r>
+          </a:p>
+          <a:p>
+            <a:pPr marL="0" indent="0">
+              <a:buNone/>
+            </a:pPr>
+            <a:r>
+              <a:rPr lang="pl-PL" dirty="0" err="1" smtClean="0">
+                <a:latin typeface="+mj-lt"/>
+              </a:rPr>
+              <a:t>Visit</a:t>
+            </a:r>
+            <a:r>
+              <a:rPr lang="pl-PL" dirty="0" smtClean="0">
+                <a:latin typeface="+mj-lt"/>
+              </a:rPr>
+              <a:t> the </a:t>
+            </a:r>
+            <a:r>
+              <a:rPr lang="pl-PL" dirty="0" err="1" smtClean="0">
+                <a:latin typeface="+mj-lt"/>
+              </a:rPr>
+              <a:t>website</a:t>
+            </a:r>
+            <a:r>
+              <a:rPr lang="pl-PL" dirty="0" smtClean="0">
+                <a:latin typeface="+mj-lt"/>
+              </a:rPr>
+              <a:t>, </a:t>
+            </a:r>
+            <a:r>
+              <a:rPr lang="pl-PL" dirty="0" err="1" smtClean="0">
+                <a:latin typeface="+mj-lt"/>
+              </a:rPr>
+              <a:t>click</a:t>
+            </a:r>
+            <a:r>
+              <a:rPr lang="pl-PL" dirty="0" smtClean="0">
+                <a:latin typeface="+mj-lt"/>
+              </a:rPr>
               <a:t> </a:t>
             </a:r>
             <a:r>
-              <a:rPr lang="pl-PL" dirty="0" smtClean="0"/>
-              <a:t>?</a:t>
-            </a:r>
-          </a:p>
-          <a:p>
-            <a:pPr marL="0" indent="0">
-              <a:buNone/>
-            </a:pPr>
-            <a:r>
               <a:rPr lang="pl-PL" dirty="0" err="1" smtClean="0">
                 <a:latin typeface="+mj-lt"/>
               </a:rPr>
-              <a:t>Visit</a:t>
+              <a:t>download</a:t>
             </a:r>
             <a:r>
               <a:rPr lang="pl-PL" dirty="0" smtClean="0">
                 <a:latin typeface="+mj-lt"/>
               </a:rPr>
+              <a:t> the </a:t>
+            </a:r>
+            <a:r>
+              <a:rPr lang="pl-PL" dirty="0" err="1" smtClean="0">
+                <a:latin typeface="+mj-lt"/>
+              </a:rPr>
+              <a:t>package</a:t>
+            </a:r>
+            <a:r>
+              <a:rPr lang="pl-PL" dirty="0" smtClean="0">
+                <a:latin typeface="+mj-lt"/>
+              </a:rPr>
+              <a:t>, open the zip, </a:t>
+            </a:r>
+            <a:r>
+              <a:rPr lang="pl-PL" dirty="0" err="1" smtClean="0">
+                <a:latin typeface="+mj-lt"/>
+              </a:rPr>
+              <a:t>navigate</a:t>
+            </a:r>
+            <a:r>
+              <a:rPr lang="pl-PL" dirty="0" smtClean="0">
+                <a:latin typeface="+mj-lt"/>
+              </a:rPr>
+              <a:t> and </a:t>
+            </a:r>
+            <a:r>
+              <a:rPr lang="pl-PL" dirty="0" err="1" smtClean="0">
+                <a:latin typeface="+mj-lt"/>
+              </a:rPr>
+              <a:t>find</a:t>
+            </a:r>
+            <a:r>
+              <a:rPr lang="pl-PL" dirty="0" smtClean="0">
+                <a:latin typeface="+mj-lt"/>
+              </a:rPr>
+              <a:t> the file </a:t>
+            </a:r>
+            <a:r>
+              <a:rPr lang="pl-PL" dirty="0" err="1" smtClean="0">
+                <a:latin typeface="+mj-lt"/>
+              </a:rPr>
+              <a:t>that</a:t>
+            </a:r>
+            <a:r>
+              <a:rPr lang="pl-PL" dirty="0" smtClean="0">
+                <a:latin typeface="+mj-lt"/>
+              </a:rPr>
               <a:t> </a:t>
             </a:r>
             <a:r>
+              <a:rPr lang="pl-PL" dirty="0" err="1" smtClean="0">
+                <a:latin typeface="+mj-lt"/>
+              </a:rPr>
+              <a:t>you</a:t>
+            </a:r>
+            <a:r>
               <a:rPr lang="pl-PL" dirty="0" smtClean="0">
                 <a:latin typeface="+mj-lt"/>
               </a:rPr>
-              <a:t>the </a:t>
+              <a:t> want, </a:t>
             </a:r>
             <a:r>
               <a:rPr lang="pl-PL" dirty="0" err="1" smtClean="0">
                 <a:latin typeface="+mj-lt"/>
               </a:rPr>
-              <a:t>website</a:t>
+              <a:t>copy</a:t>
             </a:r>
             <a:r>
               <a:rPr lang="pl-PL" dirty="0" smtClean="0">
                 <a:latin typeface="+mj-lt"/>
               </a:rPr>
-              <a:t>, </a:t>
+              <a:t> </a:t>
             </a:r>
             <a:r>
               <a:rPr lang="pl-PL" dirty="0" err="1" smtClean="0">
                 <a:latin typeface="+mj-lt"/>
               </a:rPr>
-              <a:t>click</a:t>
+              <a:t>it</a:t>
             </a:r>
             <a:r>
               <a:rPr lang="pl-PL" dirty="0" smtClean="0">
@@ -6071,7 +6063,7 @@
               <a:rPr lang="pl-PL" dirty="0" err="1" smtClean="0">
                 <a:latin typeface="+mj-lt"/>
               </a:rPr>
-              <a:t>download</a:t>
+              <a:t>into</a:t>
             </a:r>
             <a:r>
               <a:rPr lang="pl-PL" dirty="0" smtClean="0">
@@ -6083,115 +6075,13 @@
               <a:rPr lang="pl-PL" dirty="0" err="1" smtClean="0">
                 <a:latin typeface="+mj-lt"/>
               </a:rPr>
-              <a:t>package</a:t>
+              <a:t>project</a:t>
             </a:r>
             <a:r>
               <a:rPr lang="pl-PL" dirty="0" smtClean="0">
                 <a:latin typeface="+mj-lt"/>
               </a:rPr>
-              <a:t>, open the zip, </a:t>
-            </a:r>
-            <a:r>
-              <a:rPr lang="pl-PL" dirty="0" err="1" smtClean="0">
-                <a:latin typeface="+mj-lt"/>
-              </a:rPr>
-              <a:t>navigate</a:t>
-            </a:r>
-            <a:r>
-              <a:rPr lang="pl-PL" dirty="0" smtClean="0">
-                <a:latin typeface="+mj-lt"/>
-              </a:rPr>
-              <a:t> and </a:t>
-            </a:r>
-            <a:r>
-              <a:rPr lang="pl-PL" dirty="0" err="1" smtClean="0">
-                <a:latin typeface="+mj-lt"/>
-              </a:rPr>
-              <a:t>find</a:t>
-            </a:r>
-            <a:r>
-              <a:rPr lang="pl-PL" dirty="0" smtClean="0">
-                <a:latin typeface="+mj-lt"/>
-              </a:rPr>
-              <a:t> the file </a:t>
-            </a:r>
-            <a:r>
-              <a:rPr lang="pl-PL" dirty="0" err="1" smtClean="0">
-                <a:latin typeface="+mj-lt"/>
-              </a:rPr>
-              <a:t>that</a:t>
-            </a:r>
-            <a:r>
-              <a:rPr lang="pl-PL" dirty="0" smtClean="0">
-                <a:latin typeface="+mj-lt"/>
-              </a:rPr>
-              <a:t> </a:t>
-            </a:r>
-            <a:r>
-              <a:rPr lang="pl-PL" dirty="0" err="1" smtClean="0">
-                <a:latin typeface="+mj-lt"/>
-              </a:rPr>
-              <a:t>you</a:t>
-            </a:r>
-            <a:r>
-              <a:rPr lang="pl-PL" dirty="0" smtClean="0">
-                <a:latin typeface="+mj-lt"/>
-              </a:rPr>
-              <a:t> want, </a:t>
-            </a:r>
-            <a:r>
-              <a:rPr lang="pl-PL" dirty="0" err="1" smtClean="0">
-                <a:latin typeface="+mj-lt"/>
-              </a:rPr>
-              <a:t>copy</a:t>
-            </a:r>
-            <a:r>
-              <a:rPr lang="pl-PL" dirty="0" smtClean="0">
-                <a:latin typeface="+mj-lt"/>
-              </a:rPr>
-              <a:t> </a:t>
-            </a:r>
-            <a:r>
-              <a:rPr lang="pl-PL" dirty="0" err="1" smtClean="0">
-                <a:latin typeface="+mj-lt"/>
-              </a:rPr>
-              <a:t>it</a:t>
-            </a:r>
-            <a:r>
-              <a:rPr lang="pl-PL" dirty="0" smtClean="0">
-                <a:latin typeface="+mj-lt"/>
-              </a:rPr>
-              <a:t> </a:t>
-            </a:r>
-            <a:r>
-              <a:rPr lang="pl-PL" dirty="0" err="1" smtClean="0">
-                <a:latin typeface="+mj-lt"/>
-              </a:rPr>
-              <a:t>into</a:t>
-            </a:r>
-            <a:r>
-              <a:rPr lang="pl-PL" dirty="0" smtClean="0">
-                <a:latin typeface="+mj-lt"/>
-              </a:rPr>
-              <a:t> the </a:t>
-            </a:r>
-            <a:r>
-              <a:rPr lang="pl-PL" dirty="0" err="1" smtClean="0">
-                <a:latin typeface="+mj-lt"/>
-              </a:rPr>
-              <a:t>project</a:t>
-            </a:r>
-            <a:r>
-              <a:rPr lang="pl-PL" dirty="0" smtClean="0">
-                <a:latin typeface="+mj-lt"/>
-              </a:rPr>
-              <a:t> </a:t>
-            </a:r>
-            <a:r>
-              <a:rPr lang="pl-PL" dirty="0" smtClean="0">
-                <a:latin typeface="+mj-lt"/>
-              </a:rPr>
-              <a:t>?</a:t>
+              <a:t> ?</a:t>
             </a:r>
           </a:p>
           <a:p>
@@ -6254,9 +6144,6 @@
               </a:rPr>
               <a:t>!</a:t>
             </a:r>
-            <a:endParaRPr lang="pl-PL" dirty="0" smtClean="0">
-              <a:latin typeface="Calibri (Body)"/>
-            </a:endParaRPr>
           </a:p>
           <a:p>
             <a:pPr marL="0" indent="0">
@@ -6614,7 +6501,19 @@
             </a:r>
             <a:r>
               <a:rPr lang="pl-PL" dirty="0" smtClean="0"/>
-              <a:t> for the we. </a:t>
+              <a:t> for </a:t>
+            </a:r>
+            <a:r>
+              <a:rPr lang="pl-PL" smtClean="0"/>
+              <a:t>the </a:t>
+            </a:r>
+            <a:r>
+              <a:rPr lang="pl-PL" smtClean="0"/>
+              <a:t>web. </a:t>
+            </a:r>
+            <a:r>
+              <a:rPr lang="pl-PL" dirty="0" smtClean="0"/>
+              <a:t/>
             </a:r>
             <a:br>
               <a:rPr lang="pl-PL" dirty="0" smtClean="0"/>
